--- a/sample_ver1.pptx
+++ b/sample_ver1.pptx
@@ -5,10 +5,10 @@
     <p:sldMasterId id="2147483648" r:id="rId1"/>
   </p:sldMasterIdLst>
   <p:notesMasterIdLst>
-    <p:notesMasterId r:id="rId9"/>
+    <p:notesMasterId r:id="rId11"/>
   </p:notesMasterIdLst>
   <p:handoutMasterIdLst>
-    <p:handoutMasterId r:id="rId10"/>
+    <p:handoutMasterId r:id="rId12"/>
   </p:handoutMasterIdLst>
   <p:sldIdLst>
     <p:sldId id="256" r:id="rId2"/>
@@ -18,6 +18,8 @@
     <p:sldId id="295" r:id="rId6"/>
     <p:sldId id="319" r:id="rId7"/>
     <p:sldId id="347" r:id="rId8"/>
+    <p:sldId id="349" r:id="rId9"/>
+    <p:sldId id="317" r:id="rId10"/>
   </p:sldIdLst>
   <p:sldSz cx="9144000" cy="5143500" type="screen16x9"/>
   <p:notesSz cx="6858000" cy="9144000"/>
@@ -236,7 +238,7 @@
           <a:p>
             <a:fld id="{684ABEAC-FD1E-446D-854E-09142DFB339C}" type="datetimeFigureOut">
               <a:rPr lang="ko-KR" altLang="en-US" smtClean="0"/>
-              <a:t>2025-01-06</a:t>
+              <a:t>2025-01-23</a:t>
             </a:fld>
             <a:endParaRPr lang="ko-KR" altLang="en-US"/>
           </a:p>
@@ -401,7 +403,7 @@
           <a:p>
             <a:fld id="{E299D967-67B2-4132-B52D-A253871A1F24}" type="datetimeFigureOut">
               <a:rPr lang="ko-KR" altLang="en-US" smtClean="0"/>
-              <a:t>2025-01-06</a:t>
+              <a:t>2025-01-23</a:t>
             </a:fld>
             <a:endParaRPr lang="ko-KR" altLang="en-US"/>
           </a:p>
@@ -1243,7 +1245,7 @@
           <a:p>
             <a:fld id="{20303F18-CB98-4E85-A37B-EF5A4E6C8DE7}" type="datetime1">
               <a:rPr lang="ko-KR" altLang="en-US" smtClean="0"/>
-              <a:t>2025-01-06</a:t>
+              <a:t>2025-01-23</a:t>
             </a:fld>
             <a:endParaRPr lang="ko-KR" altLang="en-US"/>
           </a:p>
@@ -1416,7 +1418,7 @@
           <a:p>
             <a:fld id="{CCA16C65-58A5-46D5-A762-12670B92641B}" type="datetime1">
               <a:rPr lang="ko-KR" altLang="en-US" smtClean="0"/>
-              <a:t>2025-01-06</a:t>
+              <a:t>2025-01-23</a:t>
             </a:fld>
             <a:endParaRPr lang="ko-KR" altLang="en-US"/>
           </a:p>
@@ -1594,7 +1596,7 @@
           <a:p>
             <a:fld id="{2D09A68A-AC6E-41FE-B28C-2BB812CC2E01}" type="datetime1">
               <a:rPr lang="ko-KR" altLang="en-US" smtClean="0"/>
-              <a:t>2025-01-06</a:t>
+              <a:t>2025-01-23</a:t>
             </a:fld>
             <a:endParaRPr lang="ko-KR" altLang="en-US"/>
           </a:p>
@@ -1762,7 +1764,7 @@
           <a:p>
             <a:fld id="{690B8B09-A0F3-4880-B090-7FDDEE5B5065}" type="datetime1">
               <a:rPr lang="ko-KR" altLang="en-US" smtClean="0"/>
-              <a:t>2025-01-06</a:t>
+              <a:t>2025-01-23</a:t>
             </a:fld>
             <a:endParaRPr lang="ko-KR" altLang="en-US"/>
           </a:p>
@@ -2007,7 +2009,7 @@
           <a:p>
             <a:fld id="{82F7D3F4-816B-4FA6-91FC-91836ECD0E53}" type="datetime1">
               <a:rPr lang="ko-KR" altLang="en-US" smtClean="0"/>
-              <a:t>2025-01-06</a:t>
+              <a:t>2025-01-23</a:t>
             </a:fld>
             <a:endParaRPr lang="ko-KR" altLang="en-US"/>
           </a:p>
@@ -2292,7 +2294,7 @@
           <a:p>
             <a:fld id="{2FB9FCFF-984A-4549-AB53-391F9EC1244A}" type="datetime1">
               <a:rPr lang="ko-KR" altLang="en-US" smtClean="0"/>
-              <a:t>2025-01-06</a:t>
+              <a:t>2025-01-23</a:t>
             </a:fld>
             <a:endParaRPr lang="ko-KR" altLang="en-US"/>
           </a:p>
@@ -2711,7 +2713,7 @@
           <a:p>
             <a:fld id="{94618DE4-C4FE-4171-90C7-38CF01638033}" type="datetime1">
               <a:rPr lang="ko-KR" altLang="en-US" smtClean="0"/>
-              <a:t>2025-01-06</a:t>
+              <a:t>2025-01-23</a:t>
             </a:fld>
             <a:endParaRPr lang="ko-KR" altLang="en-US"/>
           </a:p>
@@ -2828,7 +2830,7 @@
           <a:p>
             <a:fld id="{33587621-9D18-4C20-9B84-3E938621A025}" type="datetime1">
               <a:rPr lang="ko-KR" altLang="en-US" smtClean="0"/>
-              <a:t>2025-01-06</a:t>
+              <a:t>2025-01-23</a:t>
             </a:fld>
             <a:endParaRPr lang="ko-KR" altLang="en-US"/>
           </a:p>
@@ -3273,7 +3275,7 @@
           <a:p>
             <a:fld id="{B517649B-2577-404C-858E-51E9DEBB2548}" type="datetime1">
               <a:rPr lang="ko-KR" altLang="en-US" smtClean="0"/>
-              <a:t>2025-01-06</a:t>
+              <a:t>2025-01-23</a:t>
             </a:fld>
             <a:endParaRPr lang="ko-KR" altLang="en-US"/>
           </a:p>
@@ -3525,7 +3527,7 @@
           <a:p>
             <a:fld id="{8D84C674-EF46-4F27-9E3E-4F6A170B0DC6}" type="datetime1">
               <a:rPr lang="ko-KR" altLang="en-US" smtClean="0"/>
-              <a:t>2025-01-06</a:t>
+              <a:t>2025-01-23</a:t>
             </a:fld>
             <a:endParaRPr lang="ko-KR" altLang="en-US"/>
           </a:p>
@@ -3736,7 +3738,7 @@
           <a:p>
             <a:fld id="{B40F11ED-9D7B-4CCE-A57D-CC1D7760FB25}" type="datetime1">
               <a:rPr lang="ko-KR" altLang="en-US" smtClean="0"/>
-              <a:t>2025-01-06</a:t>
+              <a:t>2025-01-23</a:t>
             </a:fld>
             <a:endParaRPr lang="ko-KR" altLang="en-US"/>
           </a:p>
@@ -7306,7 +7308,7 @@
         </p:nvGrpSpPr>
         <p:grpSpPr bwMode="auto">
           <a:xfrm>
-            <a:off x="827088" y="3003798"/>
+            <a:off x="822329" y="2860972"/>
             <a:ext cx="7364412" cy="1152128"/>
             <a:chOff x="827088" y="5229201"/>
             <a:chExt cx="7364600" cy="924005"/>
@@ -8247,10 +8249,3133 @@
           </a:p>
         </p:txBody>
       </p:sp>
+      <p:grpSp>
+        <p:nvGrpSpPr>
+          <p:cNvPr id="18" name="그룹 26">
+            <a:extLst>
+              <a:ext uri="{FF2B5EF4-FFF2-40B4-BE49-F238E27FC236}">
+                <a16:creationId xmlns:a16="http://schemas.microsoft.com/office/drawing/2014/main" id="{2AB25CD1-A473-40BF-BD0A-17F3118012B9}"/>
+              </a:ext>
+            </a:extLst>
+          </p:cNvPr>
+          <p:cNvGrpSpPr>
+            <a:grpSpLocks/>
+          </p:cNvGrpSpPr>
+          <p:nvPr/>
+        </p:nvGrpSpPr>
+        <p:grpSpPr bwMode="auto">
+          <a:xfrm>
+            <a:off x="788654" y="4149011"/>
+            <a:ext cx="7364412" cy="430576"/>
+            <a:chOff x="827088" y="5229201"/>
+            <a:chExt cx="7364600" cy="345321"/>
+          </a:xfrm>
+          <a:solidFill>
+            <a:srgbClr val="CDC1B6"/>
+          </a:solidFill>
+        </p:grpSpPr>
+        <p:sp>
+          <p:nvSpPr>
+            <p:cNvPr id="19" name="직사각형 18">
+              <a:extLst>
+                <a:ext uri="{FF2B5EF4-FFF2-40B4-BE49-F238E27FC236}">
+                  <a16:creationId xmlns:a16="http://schemas.microsoft.com/office/drawing/2014/main" id="{AF1ABD10-2DBC-44C1-89CA-5729CE92E0F9}"/>
+                </a:ext>
+              </a:extLst>
+            </p:cNvPr>
+            <p:cNvSpPr/>
+            <p:nvPr/>
+          </p:nvSpPr>
+          <p:spPr>
+            <a:xfrm>
+              <a:off x="2071720" y="5229201"/>
+              <a:ext cx="6119968" cy="345321"/>
+            </a:xfrm>
+            <a:prstGeom prst="rect">
+              <a:avLst/>
+            </a:prstGeom>
+            <a:solidFill>
+              <a:schemeClr val="bg1"/>
+            </a:solidFill>
+            <a:ln w="19050">
+              <a:solidFill>
+                <a:srgbClr val="CDC1B6"/>
+              </a:solidFill>
+            </a:ln>
+          </p:spPr>
+          <p:style>
+            <a:lnRef idx="2">
+              <a:schemeClr val="dk1"/>
+            </a:lnRef>
+            <a:fillRef idx="1">
+              <a:schemeClr val="lt1"/>
+            </a:fillRef>
+            <a:effectRef idx="0">
+              <a:schemeClr val="dk1"/>
+            </a:effectRef>
+            <a:fontRef idx="minor">
+              <a:schemeClr val="dk1"/>
+            </a:fontRef>
+          </p:style>
+          <p:txBody>
+            <a:bodyPr lIns="0" rIns="0" anchor="t"/>
+            <a:lstStyle>
+              <a:defPPr>
+                <a:defRPr lang="ko-KR"/>
+              </a:defPPr>
+              <a:lvl1pPr marL="0" algn="l" defTabSz="914400" rtl="0" eaLnBrk="1" latinLnBrk="1" hangingPunct="1">
+                <a:defRPr sz="1800" kern="1200">
+                  <a:solidFill>
+                    <a:schemeClr val="lt1"/>
+                  </a:solidFill>
+                  <a:latin typeface="+mn-lt"/>
+                  <a:ea typeface="+mn-ea"/>
+                  <a:cs typeface="+mn-cs"/>
+                </a:defRPr>
+              </a:lvl1pPr>
+              <a:lvl2pPr marL="457200" algn="l" defTabSz="914400" rtl="0" eaLnBrk="1" latinLnBrk="1" hangingPunct="1">
+                <a:defRPr sz="1800" kern="1200">
+                  <a:solidFill>
+                    <a:schemeClr val="lt1"/>
+                  </a:solidFill>
+                  <a:latin typeface="+mn-lt"/>
+                  <a:ea typeface="+mn-ea"/>
+                  <a:cs typeface="+mn-cs"/>
+                </a:defRPr>
+              </a:lvl2pPr>
+              <a:lvl3pPr marL="914400" algn="l" defTabSz="914400" rtl="0" eaLnBrk="1" latinLnBrk="1" hangingPunct="1">
+                <a:defRPr sz="1800" kern="1200">
+                  <a:solidFill>
+                    <a:schemeClr val="lt1"/>
+                  </a:solidFill>
+                  <a:latin typeface="+mn-lt"/>
+                  <a:ea typeface="+mn-ea"/>
+                  <a:cs typeface="+mn-cs"/>
+                </a:defRPr>
+              </a:lvl3pPr>
+              <a:lvl4pPr marL="1371600" algn="l" defTabSz="914400" rtl="0" eaLnBrk="1" latinLnBrk="1" hangingPunct="1">
+                <a:defRPr sz="1800" kern="1200">
+                  <a:solidFill>
+                    <a:schemeClr val="lt1"/>
+                  </a:solidFill>
+                  <a:latin typeface="+mn-lt"/>
+                  <a:ea typeface="+mn-ea"/>
+                  <a:cs typeface="+mn-cs"/>
+                </a:defRPr>
+              </a:lvl4pPr>
+              <a:lvl5pPr marL="1828800" algn="l" defTabSz="914400" rtl="0" eaLnBrk="1" latinLnBrk="1" hangingPunct="1">
+                <a:defRPr sz="1800" kern="1200">
+                  <a:solidFill>
+                    <a:schemeClr val="lt1"/>
+                  </a:solidFill>
+                  <a:latin typeface="+mn-lt"/>
+                  <a:ea typeface="+mn-ea"/>
+                  <a:cs typeface="+mn-cs"/>
+                </a:defRPr>
+              </a:lvl5pPr>
+              <a:lvl6pPr marL="2286000" algn="l" defTabSz="914400" rtl="0" eaLnBrk="1" latinLnBrk="1" hangingPunct="1">
+                <a:defRPr sz="1800" kern="1200">
+                  <a:solidFill>
+                    <a:schemeClr val="lt1"/>
+                  </a:solidFill>
+                  <a:latin typeface="+mn-lt"/>
+                  <a:ea typeface="+mn-ea"/>
+                  <a:cs typeface="+mn-cs"/>
+                </a:defRPr>
+              </a:lvl6pPr>
+              <a:lvl7pPr marL="2743200" algn="l" defTabSz="914400" rtl="0" eaLnBrk="1" latinLnBrk="1" hangingPunct="1">
+                <a:defRPr sz="1800" kern="1200">
+                  <a:solidFill>
+                    <a:schemeClr val="lt1"/>
+                  </a:solidFill>
+                  <a:latin typeface="+mn-lt"/>
+                  <a:ea typeface="+mn-ea"/>
+                  <a:cs typeface="+mn-cs"/>
+                </a:defRPr>
+              </a:lvl7pPr>
+              <a:lvl8pPr marL="3200400" algn="l" defTabSz="914400" rtl="0" eaLnBrk="1" latinLnBrk="1" hangingPunct="1">
+                <a:defRPr sz="1800" kern="1200">
+                  <a:solidFill>
+                    <a:schemeClr val="lt1"/>
+                  </a:solidFill>
+                  <a:latin typeface="+mn-lt"/>
+                  <a:ea typeface="+mn-ea"/>
+                  <a:cs typeface="+mn-cs"/>
+                </a:defRPr>
+              </a:lvl8pPr>
+              <a:lvl9pPr marL="3657600" algn="l" defTabSz="914400" rtl="0" eaLnBrk="1" latinLnBrk="1" hangingPunct="1">
+                <a:defRPr sz="1800" kern="1200">
+                  <a:solidFill>
+                    <a:schemeClr val="lt1"/>
+                  </a:solidFill>
+                  <a:latin typeface="+mn-lt"/>
+                  <a:ea typeface="+mn-ea"/>
+                  <a:cs typeface="+mn-cs"/>
+                </a:defRPr>
+              </a:lvl9pPr>
+            </a:lstStyle>
+            <a:p>
+              <a:pPr marL="180000" fontAlgn="auto">
+                <a:lnSpc>
+                  <a:spcPct val="150000"/>
+                </a:lnSpc>
+                <a:spcBef>
+                  <a:spcPts val="0"/>
+                </a:spcBef>
+                <a:spcAft>
+                  <a:spcPts val="0"/>
+                </a:spcAft>
+                <a:defRPr/>
+              </a:pPr>
+              <a:r>
+                <a:rPr kumimoji="0" lang="en-US" altLang="ko-KR" sz="1200">
+                  <a:solidFill>
+                    <a:srgbClr val="3F3F48"/>
+                  </a:solidFill>
+                  <a:latin typeface="+mn-ea"/>
+                </a:rPr>
+                <a:t>fastAPI x.x.</a:t>
+              </a:r>
+              <a:endParaRPr kumimoji="0" lang="en-US" altLang="ko-KR" sz="1200" dirty="0">
+                <a:solidFill>
+                  <a:srgbClr val="3F3F48"/>
+                </a:solidFill>
+                <a:latin typeface="+mn-ea"/>
+              </a:endParaRPr>
+            </a:p>
+          </p:txBody>
+        </p:sp>
+        <p:sp>
+          <p:nvSpPr>
+            <p:cNvPr id="27" name="직사각형 26">
+              <a:extLst>
+                <a:ext uri="{FF2B5EF4-FFF2-40B4-BE49-F238E27FC236}">
+                  <a16:creationId xmlns:a16="http://schemas.microsoft.com/office/drawing/2014/main" id="{DEFBF629-EB7A-4037-B408-B7F7F3996B65}"/>
+                </a:ext>
+              </a:extLst>
+            </p:cNvPr>
+            <p:cNvSpPr/>
+            <p:nvPr/>
+          </p:nvSpPr>
+          <p:spPr>
+            <a:xfrm>
+              <a:off x="827088" y="5229201"/>
+              <a:ext cx="1081115" cy="345321"/>
+            </a:xfrm>
+            <a:prstGeom prst="rect">
+              <a:avLst/>
+            </a:prstGeom>
+            <a:grpFill/>
+            <a:ln>
+              <a:noFill/>
+            </a:ln>
+          </p:spPr>
+          <p:style>
+            <a:lnRef idx="2">
+              <a:schemeClr val="dk1"/>
+            </a:lnRef>
+            <a:fillRef idx="1">
+              <a:schemeClr val="lt1"/>
+            </a:fillRef>
+            <a:effectRef idx="0">
+              <a:schemeClr val="dk1"/>
+            </a:effectRef>
+            <a:fontRef idx="minor">
+              <a:schemeClr val="dk1"/>
+            </a:fontRef>
+          </p:style>
+          <p:txBody>
+            <a:bodyPr lIns="0" tIns="0" rIns="0" bIns="0" anchor="ctr"/>
+            <a:lstStyle>
+              <a:defPPr>
+                <a:defRPr lang="ko-KR"/>
+              </a:defPPr>
+              <a:lvl1pPr marL="0" algn="l" defTabSz="914400" rtl="0" eaLnBrk="1" latinLnBrk="1" hangingPunct="1">
+                <a:defRPr sz="1800" kern="1200">
+                  <a:solidFill>
+                    <a:schemeClr val="lt1"/>
+                  </a:solidFill>
+                  <a:latin typeface="+mn-lt"/>
+                  <a:ea typeface="+mn-ea"/>
+                  <a:cs typeface="+mn-cs"/>
+                </a:defRPr>
+              </a:lvl1pPr>
+              <a:lvl2pPr marL="457200" algn="l" defTabSz="914400" rtl="0" eaLnBrk="1" latinLnBrk="1" hangingPunct="1">
+                <a:defRPr sz="1800" kern="1200">
+                  <a:solidFill>
+                    <a:schemeClr val="lt1"/>
+                  </a:solidFill>
+                  <a:latin typeface="+mn-lt"/>
+                  <a:ea typeface="+mn-ea"/>
+                  <a:cs typeface="+mn-cs"/>
+                </a:defRPr>
+              </a:lvl2pPr>
+              <a:lvl3pPr marL="914400" algn="l" defTabSz="914400" rtl="0" eaLnBrk="1" latinLnBrk="1" hangingPunct="1">
+                <a:defRPr sz="1800" kern="1200">
+                  <a:solidFill>
+                    <a:schemeClr val="lt1"/>
+                  </a:solidFill>
+                  <a:latin typeface="+mn-lt"/>
+                  <a:ea typeface="+mn-ea"/>
+                  <a:cs typeface="+mn-cs"/>
+                </a:defRPr>
+              </a:lvl3pPr>
+              <a:lvl4pPr marL="1371600" algn="l" defTabSz="914400" rtl="0" eaLnBrk="1" latinLnBrk="1" hangingPunct="1">
+                <a:defRPr sz="1800" kern="1200">
+                  <a:solidFill>
+                    <a:schemeClr val="lt1"/>
+                  </a:solidFill>
+                  <a:latin typeface="+mn-lt"/>
+                  <a:ea typeface="+mn-ea"/>
+                  <a:cs typeface="+mn-cs"/>
+                </a:defRPr>
+              </a:lvl4pPr>
+              <a:lvl5pPr marL="1828800" algn="l" defTabSz="914400" rtl="0" eaLnBrk="1" latinLnBrk="1" hangingPunct="1">
+                <a:defRPr sz="1800" kern="1200">
+                  <a:solidFill>
+                    <a:schemeClr val="lt1"/>
+                  </a:solidFill>
+                  <a:latin typeface="+mn-lt"/>
+                  <a:ea typeface="+mn-ea"/>
+                  <a:cs typeface="+mn-cs"/>
+                </a:defRPr>
+              </a:lvl5pPr>
+              <a:lvl6pPr marL="2286000" algn="l" defTabSz="914400" rtl="0" eaLnBrk="1" latinLnBrk="1" hangingPunct="1">
+                <a:defRPr sz="1800" kern="1200">
+                  <a:solidFill>
+                    <a:schemeClr val="lt1"/>
+                  </a:solidFill>
+                  <a:latin typeface="+mn-lt"/>
+                  <a:ea typeface="+mn-ea"/>
+                  <a:cs typeface="+mn-cs"/>
+                </a:defRPr>
+              </a:lvl6pPr>
+              <a:lvl7pPr marL="2743200" algn="l" defTabSz="914400" rtl="0" eaLnBrk="1" latinLnBrk="1" hangingPunct="1">
+                <a:defRPr sz="1800" kern="1200">
+                  <a:solidFill>
+                    <a:schemeClr val="lt1"/>
+                  </a:solidFill>
+                  <a:latin typeface="+mn-lt"/>
+                  <a:ea typeface="+mn-ea"/>
+                  <a:cs typeface="+mn-cs"/>
+                </a:defRPr>
+              </a:lvl7pPr>
+              <a:lvl8pPr marL="3200400" algn="l" defTabSz="914400" rtl="0" eaLnBrk="1" latinLnBrk="1" hangingPunct="1">
+                <a:defRPr sz="1800" kern="1200">
+                  <a:solidFill>
+                    <a:schemeClr val="lt1"/>
+                  </a:solidFill>
+                  <a:latin typeface="+mn-lt"/>
+                  <a:ea typeface="+mn-ea"/>
+                  <a:cs typeface="+mn-cs"/>
+                </a:defRPr>
+              </a:lvl8pPr>
+              <a:lvl9pPr marL="3657600" algn="l" defTabSz="914400" rtl="0" eaLnBrk="1" latinLnBrk="1" hangingPunct="1">
+                <a:defRPr sz="1800" kern="1200">
+                  <a:solidFill>
+                    <a:schemeClr val="lt1"/>
+                  </a:solidFill>
+                  <a:latin typeface="+mn-lt"/>
+                  <a:ea typeface="+mn-ea"/>
+                  <a:cs typeface="+mn-cs"/>
+                </a:defRPr>
+              </a:lvl9pPr>
+            </a:lstStyle>
+            <a:p>
+              <a:pPr algn="ctr" fontAlgn="auto">
+                <a:spcBef>
+                  <a:spcPts val="0"/>
+                </a:spcBef>
+                <a:spcAft>
+                  <a:spcPts val="0"/>
+                </a:spcAft>
+                <a:defRPr/>
+              </a:pPr>
+              <a:r>
+                <a:rPr kumimoji="0" lang="en-US" altLang="ko-KR" sz="1400" b="1" spc="-100">
+                  <a:solidFill>
+                    <a:schemeClr val="bg1"/>
+                  </a:solidFill>
+                  <a:latin typeface="+mn-ea"/>
+                </a:rPr>
+                <a:t>Framework</a:t>
+              </a:r>
+              <a:endParaRPr kumimoji="0" lang="en-US" altLang="ko-KR" sz="1400" b="1" spc="-100" dirty="0">
+                <a:solidFill>
+                  <a:schemeClr val="bg1"/>
+                </a:solidFill>
+                <a:latin typeface="+mn-ea"/>
+              </a:endParaRPr>
+            </a:p>
+          </p:txBody>
+        </p:sp>
+      </p:grpSp>
     </p:spTree>
     <p:extLst>
       <p:ext uri="{BB962C8B-B14F-4D97-AF65-F5344CB8AC3E}">
         <p14:creationId xmlns:p14="http://schemas.microsoft.com/office/powerpoint/2010/main" val="3607277515"/>
+      </p:ext>
+    </p:extLst>
+  </p:cSld>
+  <p:clrMapOvr>
+    <a:masterClrMapping/>
+  </p:clrMapOvr>
+</p:sld>
+</file>
+
+<file path=ppt/slides/slide8.xml><?xml version="1.0" encoding="utf-8"?>
+<p:sld xmlns:a="http://schemas.openxmlformats.org/drawingml/2006/main" xmlns:r="http://schemas.openxmlformats.org/officeDocument/2006/relationships" xmlns:p="http://schemas.openxmlformats.org/presentationml/2006/main">
+  <p:cSld>
+    <p:spTree>
+      <p:nvGrpSpPr>
+        <p:cNvPr id="1" name=""/>
+        <p:cNvGrpSpPr/>
+        <p:nvPr/>
+      </p:nvGrpSpPr>
+      <p:grpSpPr>
+        <a:xfrm>
+          <a:off x="0" y="0"/>
+          <a:ext cx="0" cy="0"/>
+          <a:chOff x="0" y="0"/>
+          <a:chExt cx="0" cy="0"/>
+        </a:xfrm>
+      </p:grpSpPr>
+      <p:sp>
+        <p:nvSpPr>
+          <p:cNvPr id="2" name="슬라이드 번호 개체 틀 1">
+            <a:extLst>
+              <a:ext uri="{FF2B5EF4-FFF2-40B4-BE49-F238E27FC236}">
+                <a16:creationId xmlns:a16="http://schemas.microsoft.com/office/drawing/2014/main" id="{9FCEE3D2-8D7C-4399-9124-487ADAD09EAF}"/>
+              </a:ext>
+            </a:extLst>
+          </p:cNvPr>
+          <p:cNvSpPr>
+            <a:spLocks noGrp="1"/>
+          </p:cNvSpPr>
+          <p:nvPr>
+            <p:ph type="sldNum" sz="quarter" idx="12"/>
+          </p:nvPr>
+        </p:nvSpPr>
+        <p:spPr/>
+        <p:txBody>
+          <a:bodyPr/>
+          <a:lstStyle/>
+          <a:p>
+            <a:fld id="{8E974B11-60DB-405B-8211-256C6E064270}" type="slidenum">
+              <a:rPr lang="ko-KR" altLang="en-US" smtClean="0"/>
+              <a:pPr/>
+              <a:t>8</a:t>
+            </a:fld>
+            <a:endParaRPr lang="ko-KR" altLang="en-US" dirty="0"/>
+          </a:p>
+        </p:txBody>
+      </p:sp>
+    </p:spTree>
+    <p:extLst>
+      <p:ext uri="{BB962C8B-B14F-4D97-AF65-F5344CB8AC3E}">
+        <p14:creationId xmlns:p14="http://schemas.microsoft.com/office/powerpoint/2010/main" val="1068778681"/>
+      </p:ext>
+    </p:extLst>
+  </p:cSld>
+  <p:clrMapOvr>
+    <a:masterClrMapping/>
+  </p:clrMapOvr>
+</p:sld>
+</file>
+
+<file path=ppt/slides/slide9.xml><?xml version="1.0" encoding="utf-8"?>
+<p:sld xmlns:a="http://schemas.openxmlformats.org/drawingml/2006/main" xmlns:r="http://schemas.openxmlformats.org/officeDocument/2006/relationships" xmlns:p="http://schemas.openxmlformats.org/presentationml/2006/main">
+  <p:cSld>
+    <p:spTree>
+      <p:nvGrpSpPr>
+        <p:cNvPr id="1" name=""/>
+        <p:cNvGrpSpPr/>
+        <p:nvPr/>
+      </p:nvGrpSpPr>
+      <p:grpSpPr>
+        <a:xfrm>
+          <a:off x="0" y="0"/>
+          <a:ext cx="0" cy="0"/>
+          <a:chOff x="0" y="0"/>
+          <a:chExt cx="0" cy="0"/>
+        </a:xfrm>
+      </p:grpSpPr>
+      <p:sp>
+        <p:nvSpPr>
+          <p:cNvPr id="2" name="슬라이드 번호 개체 틀 1"/>
+          <p:cNvSpPr>
+            <a:spLocks noGrp="1"/>
+          </p:cNvSpPr>
+          <p:nvPr>
+            <p:ph type="sldNum" sz="quarter" idx="12"/>
+          </p:nvPr>
+        </p:nvSpPr>
+        <p:spPr/>
+        <p:txBody>
+          <a:bodyPr/>
+          <a:lstStyle/>
+          <a:p>
+            <a:fld id="{8E974B11-60DB-405B-8211-256C6E064270}" type="slidenum">
+              <a:rPr lang="ko-KR" altLang="en-US" smtClean="0"/>
+              <a:pPr/>
+              <a:t>9</a:t>
+            </a:fld>
+            <a:endParaRPr lang="ko-KR" altLang="en-US" dirty="0"/>
+          </a:p>
+        </p:txBody>
+      </p:sp>
+      <p:sp>
+        <p:nvSpPr>
+          <p:cNvPr id="3" name="TextBox 2"/>
+          <p:cNvSpPr txBox="1"/>
+          <p:nvPr/>
+        </p:nvSpPr>
+        <p:spPr>
+          <a:xfrm>
+            <a:off x="285792" y="86430"/>
+            <a:ext cx="2203301" cy="300082"/>
+          </a:xfrm>
+          <a:prstGeom prst="rect">
+            <a:avLst/>
+          </a:prstGeom>
+          <a:noFill/>
+        </p:spPr>
+        <p:txBody>
+          <a:bodyPr wrap="square" rtlCol="0">
+            <a:spAutoFit/>
+          </a:bodyPr>
+          <a:lstStyle/>
+          <a:p>
+            <a:r>
+              <a:rPr lang="ko-KR" altLang="en-US" sz="1350" b="1">
+                <a:solidFill>
+                  <a:srgbClr val="756B5F"/>
+                </a:solidFill>
+              </a:rPr>
+              <a:t>작업분할구조도</a:t>
+            </a:r>
+            <a:endParaRPr lang="ko-KR" altLang="en-US" sz="1350" b="1" dirty="0">
+              <a:solidFill>
+                <a:srgbClr val="756B5F"/>
+              </a:solidFill>
+            </a:endParaRPr>
+          </a:p>
+        </p:txBody>
+      </p:sp>
+      <p:sp>
+        <p:nvSpPr>
+          <p:cNvPr id="5" name="직사각형 4"/>
+          <p:cNvSpPr/>
+          <p:nvPr/>
+        </p:nvSpPr>
+        <p:spPr>
+          <a:xfrm>
+            <a:off x="4247934" y="632680"/>
+            <a:ext cx="594096" cy="243000"/>
+          </a:xfrm>
+          <a:prstGeom prst="rect">
+            <a:avLst/>
+          </a:prstGeom>
+          <a:solidFill>
+            <a:srgbClr val="987C4D"/>
+          </a:solidFill>
+          <a:ln>
+            <a:solidFill>
+              <a:srgbClr val="987C4D"/>
+            </a:solidFill>
+          </a:ln>
+        </p:spPr>
+        <p:style>
+          <a:lnRef idx="2">
+            <a:schemeClr val="accent1">
+              <a:shade val="50000"/>
+            </a:schemeClr>
+          </a:lnRef>
+          <a:fillRef idx="1">
+            <a:schemeClr val="accent1"/>
+          </a:fillRef>
+          <a:effectRef idx="0">
+            <a:schemeClr val="accent1"/>
+          </a:effectRef>
+          <a:fontRef idx="minor">
+            <a:schemeClr val="lt1"/>
+          </a:fontRef>
+        </p:style>
+        <p:txBody>
+          <a:bodyPr rot="0" spcFirstLastPara="0" vertOverflow="overflow" horzOverflow="overflow" vert="horz" wrap="square" lIns="0" tIns="0" rIns="0" bIns="0" numCol="1" spcCol="0" rtlCol="0" fromWordArt="0" anchor="ctr" anchorCtr="0" forceAA="0" compatLnSpc="1">
+            <a:prstTxWarp prst="textNoShape">
+              <a:avLst/>
+            </a:prstTxWarp>
+            <a:noAutofit/>
+          </a:bodyPr>
+          <a:lstStyle/>
+          <a:p>
+            <a:pPr algn="ctr"/>
+            <a:r>
+              <a:rPr lang="en-US" altLang="ko-KR" sz="750" b="1" dirty="0"/>
+              <a:t>LAS*</a:t>
+            </a:r>
+            <a:endParaRPr lang="ko-KR" altLang="en-US" sz="750" b="1" dirty="0"/>
+          </a:p>
+        </p:txBody>
+      </p:sp>
+      <p:sp>
+        <p:nvSpPr>
+          <p:cNvPr id="9" name="직사각형 8"/>
+          <p:cNvSpPr/>
+          <p:nvPr/>
+        </p:nvSpPr>
+        <p:spPr>
+          <a:xfrm>
+            <a:off x="1169622" y="1577812"/>
+            <a:ext cx="432000" cy="243000"/>
+          </a:xfrm>
+          <a:prstGeom prst="rect">
+            <a:avLst/>
+          </a:prstGeom>
+          <a:solidFill>
+            <a:srgbClr val="987C4D">
+              <a:alpha val="70000"/>
+            </a:srgbClr>
+          </a:solidFill>
+          <a:ln>
+            <a:noFill/>
+          </a:ln>
+        </p:spPr>
+        <p:style>
+          <a:lnRef idx="2">
+            <a:schemeClr val="accent1">
+              <a:shade val="50000"/>
+            </a:schemeClr>
+          </a:lnRef>
+          <a:fillRef idx="1">
+            <a:schemeClr val="accent1"/>
+          </a:fillRef>
+          <a:effectRef idx="0">
+            <a:schemeClr val="accent1"/>
+          </a:effectRef>
+          <a:fontRef idx="minor">
+            <a:schemeClr val="lt1"/>
+          </a:fontRef>
+        </p:style>
+        <p:txBody>
+          <a:bodyPr rot="0" spcFirstLastPara="0" vertOverflow="overflow" horzOverflow="overflow" vert="horz" wrap="square" lIns="0" tIns="0" rIns="0" bIns="0" numCol="1" spcCol="0" rtlCol="0" fromWordArt="0" anchor="ctr" anchorCtr="0" forceAA="0" compatLnSpc="1">
+            <a:prstTxWarp prst="textNoShape">
+              <a:avLst/>
+            </a:prstTxWarp>
+            <a:noAutofit/>
+          </a:bodyPr>
+          <a:lstStyle/>
+          <a:p>
+            <a:pPr algn="ctr"/>
+            <a:r>
+              <a:rPr lang="ko-KR" altLang="en-US" sz="750" b="1" dirty="0"/>
+              <a:t>이용자</a:t>
+            </a:r>
+          </a:p>
+        </p:txBody>
+      </p:sp>
+      <p:sp>
+        <p:nvSpPr>
+          <p:cNvPr id="10" name="직사각형 9"/>
+          <p:cNvSpPr/>
+          <p:nvPr/>
+        </p:nvSpPr>
+        <p:spPr>
+          <a:xfrm>
+            <a:off x="6084168" y="1592744"/>
+            <a:ext cx="432000" cy="243000"/>
+          </a:xfrm>
+          <a:prstGeom prst="rect">
+            <a:avLst/>
+          </a:prstGeom>
+          <a:solidFill>
+            <a:srgbClr val="987C4D"/>
+          </a:solidFill>
+          <a:ln>
+            <a:solidFill>
+              <a:srgbClr val="987C4D"/>
+            </a:solidFill>
+          </a:ln>
+        </p:spPr>
+        <p:style>
+          <a:lnRef idx="2">
+            <a:schemeClr val="accent1">
+              <a:shade val="50000"/>
+            </a:schemeClr>
+          </a:lnRef>
+          <a:fillRef idx="1">
+            <a:schemeClr val="accent1"/>
+          </a:fillRef>
+          <a:effectRef idx="0">
+            <a:schemeClr val="accent1"/>
+          </a:effectRef>
+          <a:fontRef idx="minor">
+            <a:schemeClr val="lt1"/>
+          </a:fontRef>
+        </p:style>
+        <p:txBody>
+          <a:bodyPr rot="0" spcFirstLastPara="0" vertOverflow="overflow" horzOverflow="overflow" vert="horz" wrap="square" lIns="0" tIns="0" rIns="0" bIns="0" numCol="1" spcCol="0" rtlCol="0" fromWordArt="0" anchor="ctr" anchorCtr="0" forceAA="0" compatLnSpc="1">
+            <a:prstTxWarp prst="textNoShape">
+              <a:avLst/>
+            </a:prstTxWarp>
+            <a:noAutofit/>
+          </a:bodyPr>
+          <a:lstStyle/>
+          <a:p>
+            <a:pPr algn="ctr"/>
+            <a:r>
+              <a:rPr lang="ko-KR" altLang="en-US" sz="750" b="1" dirty="0"/>
+              <a:t>관리자</a:t>
+            </a:r>
+          </a:p>
+        </p:txBody>
+      </p:sp>
+      <p:sp>
+        <p:nvSpPr>
+          <p:cNvPr id="11" name="직사각형 10"/>
+          <p:cNvSpPr/>
+          <p:nvPr/>
+        </p:nvSpPr>
+        <p:spPr>
+          <a:xfrm>
+            <a:off x="5976186" y="2215761"/>
+            <a:ext cx="270000" cy="378000"/>
+          </a:xfrm>
+          <a:prstGeom prst="rect">
+            <a:avLst/>
+          </a:prstGeom>
+          <a:solidFill>
+            <a:srgbClr val="987C4D"/>
+          </a:solidFill>
+          <a:ln>
+            <a:solidFill>
+              <a:srgbClr val="987C4D"/>
+            </a:solidFill>
+          </a:ln>
+        </p:spPr>
+        <p:style>
+          <a:lnRef idx="2">
+            <a:schemeClr val="accent1">
+              <a:shade val="50000"/>
+            </a:schemeClr>
+          </a:lnRef>
+          <a:fillRef idx="1">
+            <a:schemeClr val="accent1"/>
+          </a:fillRef>
+          <a:effectRef idx="0">
+            <a:schemeClr val="accent1"/>
+          </a:effectRef>
+          <a:fontRef idx="minor">
+            <a:schemeClr val="lt1"/>
+          </a:fontRef>
+        </p:style>
+        <p:txBody>
+          <a:bodyPr rot="0" spcFirstLastPara="0" vertOverflow="overflow" horzOverflow="overflow" vert="horz" wrap="square" lIns="0" tIns="0" rIns="0" bIns="0" numCol="1" spcCol="0" rtlCol="0" fromWordArt="0" anchor="ctr" anchorCtr="0" forceAA="0" compatLnSpc="1">
+            <a:prstTxWarp prst="textNoShape">
+              <a:avLst/>
+            </a:prstTxWarp>
+            <a:noAutofit/>
+          </a:bodyPr>
+          <a:lstStyle/>
+          <a:p>
+            <a:pPr algn="ctr"/>
+            <a:r>
+              <a:rPr lang="ko-KR" altLang="en-US" sz="750" b="1" dirty="0"/>
+              <a:t>공지사항</a:t>
+            </a:r>
+          </a:p>
+        </p:txBody>
+      </p:sp>
+      <p:sp>
+        <p:nvSpPr>
+          <p:cNvPr id="12" name="직사각형 11"/>
+          <p:cNvSpPr/>
+          <p:nvPr/>
+        </p:nvSpPr>
+        <p:spPr>
+          <a:xfrm>
+            <a:off x="1601671" y="2265371"/>
+            <a:ext cx="323116" cy="378000"/>
+          </a:xfrm>
+          <a:prstGeom prst="rect">
+            <a:avLst/>
+          </a:prstGeom>
+          <a:solidFill>
+            <a:srgbClr val="987C4D"/>
+          </a:solidFill>
+          <a:ln>
+            <a:solidFill>
+              <a:srgbClr val="987C4D"/>
+            </a:solidFill>
+          </a:ln>
+        </p:spPr>
+        <p:style>
+          <a:lnRef idx="2">
+            <a:schemeClr val="accent1">
+              <a:shade val="50000"/>
+            </a:schemeClr>
+          </a:lnRef>
+          <a:fillRef idx="1">
+            <a:schemeClr val="accent1"/>
+          </a:fillRef>
+          <a:effectRef idx="0">
+            <a:schemeClr val="accent1"/>
+          </a:effectRef>
+          <a:fontRef idx="minor">
+            <a:schemeClr val="lt1"/>
+          </a:fontRef>
+        </p:style>
+        <p:txBody>
+          <a:bodyPr rot="0" spcFirstLastPara="0" vertOverflow="overflow" horzOverflow="overflow" vert="horz" wrap="square" lIns="0" tIns="0" rIns="0" bIns="0" numCol="1" spcCol="0" rtlCol="0" fromWordArt="0" anchor="ctr" anchorCtr="0" forceAA="0" compatLnSpc="1">
+            <a:prstTxWarp prst="textNoShape">
+              <a:avLst/>
+            </a:prstTxWarp>
+            <a:noAutofit/>
+          </a:bodyPr>
+          <a:lstStyle/>
+          <a:p>
+            <a:pPr algn="ctr"/>
+            <a:r>
+              <a:rPr lang="ko-KR" altLang="en-US" sz="750" b="1" dirty="0"/>
+              <a:t>관리자관리</a:t>
+            </a:r>
+          </a:p>
+        </p:txBody>
+      </p:sp>
+      <p:sp>
+        <p:nvSpPr>
+          <p:cNvPr id="13" name="직사각형 12"/>
+          <p:cNvSpPr/>
+          <p:nvPr/>
+        </p:nvSpPr>
+        <p:spPr>
+          <a:xfrm>
+            <a:off x="2890380" y="2240566"/>
+            <a:ext cx="270000" cy="378000"/>
+          </a:xfrm>
+          <a:prstGeom prst="rect">
+            <a:avLst/>
+          </a:prstGeom>
+          <a:solidFill>
+            <a:srgbClr val="987C4D"/>
+          </a:solidFill>
+          <a:ln>
+            <a:solidFill>
+              <a:srgbClr val="987C4D"/>
+            </a:solidFill>
+          </a:ln>
+        </p:spPr>
+        <p:style>
+          <a:lnRef idx="2">
+            <a:schemeClr val="accent1">
+              <a:shade val="50000"/>
+            </a:schemeClr>
+          </a:lnRef>
+          <a:fillRef idx="1">
+            <a:schemeClr val="accent1"/>
+          </a:fillRef>
+          <a:effectRef idx="0">
+            <a:schemeClr val="accent1"/>
+          </a:effectRef>
+          <a:fontRef idx="minor">
+            <a:schemeClr val="lt1"/>
+          </a:fontRef>
+        </p:style>
+        <p:txBody>
+          <a:bodyPr rot="0" spcFirstLastPara="0" vertOverflow="overflow" horzOverflow="overflow" vert="horz" wrap="square" lIns="0" tIns="0" rIns="0" bIns="0" numCol="1" spcCol="0" rtlCol="0" fromWordArt="0" anchor="ctr" anchorCtr="0" forceAA="0" compatLnSpc="1">
+            <a:prstTxWarp prst="textNoShape">
+              <a:avLst/>
+            </a:prstTxWarp>
+            <a:noAutofit/>
+          </a:bodyPr>
+          <a:lstStyle/>
+          <a:p>
+            <a:pPr algn="ctr"/>
+            <a:r>
+              <a:rPr lang="ko-KR" altLang="en-US" sz="750" b="1" dirty="0"/>
+              <a:t>회원</a:t>
+            </a:r>
+            <a:endParaRPr lang="en-US" altLang="ko-KR" sz="750" b="1" dirty="0"/>
+          </a:p>
+          <a:p>
+            <a:pPr algn="ctr"/>
+            <a:r>
+              <a:rPr lang="ko-KR" altLang="en-US" sz="750" b="1" dirty="0"/>
+              <a:t>관리</a:t>
+            </a:r>
+          </a:p>
+        </p:txBody>
+      </p:sp>
+      <p:sp>
+        <p:nvSpPr>
+          <p:cNvPr id="14" name="직사각형 13"/>
+          <p:cNvSpPr/>
+          <p:nvPr/>
+        </p:nvSpPr>
+        <p:spPr>
+          <a:xfrm>
+            <a:off x="4626006" y="2215761"/>
+            <a:ext cx="270000" cy="378000"/>
+          </a:xfrm>
+          <a:prstGeom prst="rect">
+            <a:avLst/>
+          </a:prstGeom>
+          <a:solidFill>
+            <a:srgbClr val="987C4D"/>
+          </a:solidFill>
+          <a:ln>
+            <a:solidFill>
+              <a:srgbClr val="987C4D"/>
+            </a:solidFill>
+          </a:ln>
+        </p:spPr>
+        <p:style>
+          <a:lnRef idx="2">
+            <a:schemeClr val="accent1">
+              <a:shade val="50000"/>
+            </a:schemeClr>
+          </a:lnRef>
+          <a:fillRef idx="1">
+            <a:schemeClr val="accent1"/>
+          </a:fillRef>
+          <a:effectRef idx="0">
+            <a:schemeClr val="accent1"/>
+          </a:effectRef>
+          <a:fontRef idx="minor">
+            <a:schemeClr val="lt1"/>
+          </a:fontRef>
+        </p:style>
+        <p:txBody>
+          <a:bodyPr rot="0" spcFirstLastPara="0" vertOverflow="overflow" horzOverflow="overflow" vert="horz" wrap="square" lIns="0" tIns="0" rIns="0" bIns="0" numCol="1" spcCol="0" rtlCol="0" fromWordArt="0" anchor="ctr" anchorCtr="0" forceAA="0" compatLnSpc="1">
+            <a:prstTxWarp prst="textNoShape">
+              <a:avLst/>
+            </a:prstTxWarp>
+            <a:noAutofit/>
+          </a:bodyPr>
+          <a:lstStyle/>
+          <a:p>
+            <a:pPr algn="ctr"/>
+            <a:r>
+              <a:rPr lang="ko-KR" altLang="en-US" sz="750" b="1" dirty="0"/>
+              <a:t>도서관리</a:t>
+            </a:r>
+          </a:p>
+        </p:txBody>
+      </p:sp>
+      <p:sp>
+        <p:nvSpPr>
+          <p:cNvPr id="15" name="직사각형 14"/>
+          <p:cNvSpPr/>
+          <p:nvPr/>
+        </p:nvSpPr>
+        <p:spPr>
+          <a:xfrm>
+            <a:off x="7272330" y="2215761"/>
+            <a:ext cx="270000" cy="378000"/>
+          </a:xfrm>
+          <a:prstGeom prst="rect">
+            <a:avLst/>
+          </a:prstGeom>
+          <a:solidFill>
+            <a:srgbClr val="987C4D"/>
+          </a:solidFill>
+          <a:ln>
+            <a:solidFill>
+              <a:srgbClr val="987C4D"/>
+            </a:solidFill>
+          </a:ln>
+        </p:spPr>
+        <p:style>
+          <a:lnRef idx="2">
+            <a:schemeClr val="accent1">
+              <a:shade val="50000"/>
+            </a:schemeClr>
+          </a:lnRef>
+          <a:fillRef idx="1">
+            <a:schemeClr val="accent1"/>
+          </a:fillRef>
+          <a:effectRef idx="0">
+            <a:schemeClr val="accent1"/>
+          </a:effectRef>
+          <a:fontRef idx="minor">
+            <a:schemeClr val="lt1"/>
+          </a:fontRef>
+        </p:style>
+        <p:txBody>
+          <a:bodyPr rot="0" spcFirstLastPara="0" vertOverflow="overflow" horzOverflow="overflow" vert="horz" wrap="square" lIns="0" tIns="0" rIns="0" bIns="0" numCol="1" spcCol="0" rtlCol="0" fromWordArt="0" anchor="ctr" anchorCtr="0" forceAA="0" compatLnSpc="1">
+            <a:prstTxWarp prst="textNoShape">
+              <a:avLst/>
+            </a:prstTxWarp>
+            <a:noAutofit/>
+          </a:bodyPr>
+          <a:lstStyle/>
+          <a:p>
+            <a:pPr algn="ctr"/>
+            <a:r>
+              <a:rPr lang="ko-KR" altLang="en-US" sz="750" b="1" dirty="0"/>
+              <a:t>통계</a:t>
+            </a:r>
+          </a:p>
+        </p:txBody>
+      </p:sp>
+      <p:sp>
+        <p:nvSpPr>
+          <p:cNvPr id="16" name="직사각형 15"/>
+          <p:cNvSpPr/>
+          <p:nvPr/>
+        </p:nvSpPr>
+        <p:spPr>
+          <a:xfrm>
+            <a:off x="3815946" y="2214218"/>
+            <a:ext cx="270000" cy="378000"/>
+          </a:xfrm>
+          <a:prstGeom prst="rect">
+            <a:avLst/>
+          </a:prstGeom>
+          <a:solidFill>
+            <a:srgbClr val="987C4D"/>
+          </a:solidFill>
+          <a:ln>
+            <a:solidFill>
+              <a:srgbClr val="987C4D"/>
+            </a:solidFill>
+          </a:ln>
+        </p:spPr>
+        <p:style>
+          <a:lnRef idx="2">
+            <a:schemeClr val="accent1">
+              <a:shade val="50000"/>
+            </a:schemeClr>
+          </a:lnRef>
+          <a:fillRef idx="1">
+            <a:schemeClr val="accent1"/>
+          </a:fillRef>
+          <a:effectRef idx="0">
+            <a:schemeClr val="accent1"/>
+          </a:effectRef>
+          <a:fontRef idx="minor">
+            <a:schemeClr val="lt1"/>
+          </a:fontRef>
+        </p:style>
+        <p:txBody>
+          <a:bodyPr rot="0" spcFirstLastPara="0" vertOverflow="overflow" horzOverflow="overflow" vert="horz" wrap="square" lIns="0" tIns="0" rIns="0" bIns="0" numCol="1" spcCol="0" rtlCol="0" fromWordArt="0" anchor="ctr" anchorCtr="0" forceAA="0" compatLnSpc="1">
+            <a:prstTxWarp prst="textNoShape">
+              <a:avLst/>
+            </a:prstTxWarp>
+            <a:noAutofit/>
+          </a:bodyPr>
+          <a:lstStyle/>
+          <a:p>
+            <a:pPr algn="ctr"/>
+            <a:r>
+              <a:rPr lang="ko-KR" altLang="en-US" sz="750" b="1" dirty="0"/>
+              <a:t>대출</a:t>
+            </a:r>
+            <a:endParaRPr lang="en-US" altLang="ko-KR" sz="750" b="1" dirty="0"/>
+          </a:p>
+          <a:p>
+            <a:pPr algn="ctr"/>
+            <a:r>
+              <a:rPr lang="ko-KR" altLang="en-US" sz="750" b="1" dirty="0"/>
+              <a:t>반납</a:t>
+            </a:r>
+          </a:p>
+        </p:txBody>
+      </p:sp>
+      <p:sp>
+        <p:nvSpPr>
+          <p:cNvPr id="17" name="직사각형 16"/>
+          <p:cNvSpPr/>
+          <p:nvPr/>
+        </p:nvSpPr>
+        <p:spPr>
+          <a:xfrm>
+            <a:off x="5506945" y="3346926"/>
+            <a:ext cx="270000" cy="378000"/>
+          </a:xfrm>
+          <a:prstGeom prst="rect">
+            <a:avLst/>
+          </a:prstGeom>
+          <a:solidFill>
+            <a:srgbClr val="CDC1B6"/>
+          </a:solidFill>
+          <a:ln>
+            <a:solidFill>
+              <a:srgbClr val="CDC1B6"/>
+            </a:solidFill>
+          </a:ln>
+        </p:spPr>
+        <p:style>
+          <a:lnRef idx="2">
+            <a:schemeClr val="accent1">
+              <a:shade val="50000"/>
+            </a:schemeClr>
+          </a:lnRef>
+          <a:fillRef idx="1">
+            <a:schemeClr val="accent1"/>
+          </a:fillRef>
+          <a:effectRef idx="0">
+            <a:schemeClr val="accent1"/>
+          </a:effectRef>
+          <a:fontRef idx="minor">
+            <a:schemeClr val="lt1"/>
+          </a:fontRef>
+        </p:style>
+        <p:txBody>
+          <a:bodyPr rot="0" spcFirstLastPara="0" vertOverflow="overflow" horzOverflow="overflow" vert="horz" wrap="square" lIns="0" tIns="0" rIns="0" bIns="0" numCol="1" spcCol="0" rtlCol="0" fromWordArt="0" anchor="ctr" anchorCtr="0" forceAA="0" compatLnSpc="1">
+            <a:prstTxWarp prst="textNoShape">
+              <a:avLst/>
+            </a:prstTxWarp>
+            <a:noAutofit/>
+          </a:bodyPr>
+          <a:lstStyle/>
+          <a:p>
+            <a:pPr algn="ctr"/>
+            <a:r>
+              <a:rPr lang="ko-KR" altLang="en-US" sz="750" b="1" dirty="0" err="1">
+                <a:solidFill>
+                  <a:schemeClr val="tx1"/>
+                </a:solidFill>
+              </a:rPr>
+              <a:t>글작성</a:t>
+            </a:r>
+            <a:endParaRPr lang="ko-KR" altLang="en-US" sz="750" b="1" dirty="0">
+              <a:solidFill>
+                <a:schemeClr val="tx1"/>
+              </a:solidFill>
+            </a:endParaRPr>
+          </a:p>
+        </p:txBody>
+      </p:sp>
+      <p:sp>
+        <p:nvSpPr>
+          <p:cNvPr id="18" name="직사각형 17"/>
+          <p:cNvSpPr/>
+          <p:nvPr/>
+        </p:nvSpPr>
+        <p:spPr>
+          <a:xfrm>
+            <a:off x="1817724" y="3330209"/>
+            <a:ext cx="270000" cy="378000"/>
+          </a:xfrm>
+          <a:prstGeom prst="rect">
+            <a:avLst/>
+          </a:prstGeom>
+          <a:solidFill>
+            <a:srgbClr val="CDC1B6"/>
+          </a:solidFill>
+          <a:ln>
+            <a:solidFill>
+              <a:srgbClr val="CDC1B6"/>
+            </a:solidFill>
+          </a:ln>
+        </p:spPr>
+        <p:style>
+          <a:lnRef idx="2">
+            <a:schemeClr val="accent1">
+              <a:shade val="50000"/>
+            </a:schemeClr>
+          </a:lnRef>
+          <a:fillRef idx="1">
+            <a:schemeClr val="accent1"/>
+          </a:fillRef>
+          <a:effectRef idx="0">
+            <a:schemeClr val="accent1"/>
+          </a:effectRef>
+          <a:fontRef idx="minor">
+            <a:schemeClr val="lt1"/>
+          </a:fontRef>
+        </p:style>
+        <p:txBody>
+          <a:bodyPr rot="0" spcFirstLastPara="0" vertOverflow="overflow" horzOverflow="overflow" vert="horz" wrap="square" lIns="0" tIns="0" rIns="0" bIns="0" numCol="1" spcCol="0" rtlCol="0" fromWordArt="0" anchor="ctr" anchorCtr="0" forceAA="0" compatLnSpc="1">
+            <a:prstTxWarp prst="textNoShape">
+              <a:avLst/>
+            </a:prstTxWarp>
+            <a:noAutofit/>
+          </a:bodyPr>
+          <a:lstStyle/>
+          <a:p>
+            <a:pPr algn="ctr"/>
+            <a:r>
+              <a:rPr lang="ko-KR" altLang="en-US" sz="750" b="1" dirty="0">
+                <a:solidFill>
+                  <a:schemeClr val="tx1"/>
+                </a:solidFill>
+              </a:rPr>
+              <a:t>사서</a:t>
+            </a:r>
+            <a:endParaRPr lang="en-US" altLang="ko-KR" sz="750" b="1" dirty="0">
+              <a:solidFill>
+                <a:schemeClr val="tx1"/>
+              </a:solidFill>
+            </a:endParaRPr>
+          </a:p>
+          <a:p>
+            <a:pPr algn="ctr"/>
+            <a:r>
+              <a:rPr lang="ko-KR" altLang="en-US" sz="750" b="1" dirty="0">
+                <a:solidFill>
+                  <a:schemeClr val="tx1"/>
+                </a:solidFill>
+              </a:rPr>
+              <a:t>삭제</a:t>
+            </a:r>
+          </a:p>
+        </p:txBody>
+      </p:sp>
+      <p:sp>
+        <p:nvSpPr>
+          <p:cNvPr id="19" name="직사각형 18"/>
+          <p:cNvSpPr/>
+          <p:nvPr/>
+        </p:nvSpPr>
+        <p:spPr>
+          <a:xfrm>
+            <a:off x="2889052" y="3342620"/>
+            <a:ext cx="270000" cy="378000"/>
+          </a:xfrm>
+          <a:prstGeom prst="rect">
+            <a:avLst/>
+          </a:prstGeom>
+          <a:solidFill>
+            <a:srgbClr val="CDC1B6"/>
+          </a:solidFill>
+          <a:ln>
+            <a:solidFill>
+              <a:srgbClr val="CDC1B6"/>
+            </a:solidFill>
+          </a:ln>
+        </p:spPr>
+        <p:style>
+          <a:lnRef idx="2">
+            <a:schemeClr val="accent1">
+              <a:shade val="50000"/>
+            </a:schemeClr>
+          </a:lnRef>
+          <a:fillRef idx="1">
+            <a:schemeClr val="accent1"/>
+          </a:fillRef>
+          <a:effectRef idx="0">
+            <a:schemeClr val="accent1"/>
+          </a:effectRef>
+          <a:fontRef idx="minor">
+            <a:schemeClr val="lt1"/>
+          </a:fontRef>
+        </p:style>
+        <p:txBody>
+          <a:bodyPr rot="0" spcFirstLastPara="0" vertOverflow="overflow" horzOverflow="overflow" vert="horz" wrap="square" lIns="0" tIns="0" rIns="0" bIns="0" numCol="1" spcCol="0" rtlCol="0" fromWordArt="0" anchor="ctr" anchorCtr="0" forceAA="0" compatLnSpc="1">
+            <a:prstTxWarp prst="textNoShape">
+              <a:avLst/>
+            </a:prstTxWarp>
+            <a:noAutofit/>
+          </a:bodyPr>
+          <a:lstStyle/>
+          <a:p>
+            <a:pPr algn="ctr"/>
+            <a:r>
+              <a:rPr lang="ko-KR" altLang="en-US" sz="750" b="1" dirty="0">
+                <a:solidFill>
+                  <a:schemeClr val="tx1"/>
+                </a:solidFill>
+              </a:rPr>
+              <a:t>회원</a:t>
+            </a:r>
+            <a:endParaRPr lang="en-US" altLang="ko-KR" sz="750" b="1" dirty="0">
+              <a:solidFill>
+                <a:schemeClr val="tx1"/>
+              </a:solidFill>
+            </a:endParaRPr>
+          </a:p>
+          <a:p>
+            <a:pPr algn="ctr"/>
+            <a:r>
+              <a:rPr lang="ko-KR" altLang="en-US" sz="750" b="1" dirty="0">
+                <a:solidFill>
+                  <a:schemeClr val="tx1"/>
+                </a:solidFill>
+              </a:rPr>
+              <a:t>강등</a:t>
+            </a:r>
+          </a:p>
+        </p:txBody>
+      </p:sp>
+      <p:sp>
+        <p:nvSpPr>
+          <p:cNvPr id="20" name="직사각형 19"/>
+          <p:cNvSpPr/>
+          <p:nvPr/>
+        </p:nvSpPr>
+        <p:spPr>
+          <a:xfrm>
+            <a:off x="4464018" y="3317181"/>
+            <a:ext cx="270000" cy="378000"/>
+          </a:xfrm>
+          <a:prstGeom prst="rect">
+            <a:avLst/>
+          </a:prstGeom>
+          <a:solidFill>
+            <a:srgbClr val="CDC1B6"/>
+          </a:solidFill>
+          <a:ln>
+            <a:solidFill>
+              <a:srgbClr val="CDC1B6"/>
+            </a:solidFill>
+          </a:ln>
+        </p:spPr>
+        <p:style>
+          <a:lnRef idx="2">
+            <a:schemeClr val="accent1">
+              <a:shade val="50000"/>
+            </a:schemeClr>
+          </a:lnRef>
+          <a:fillRef idx="1">
+            <a:schemeClr val="accent1"/>
+          </a:fillRef>
+          <a:effectRef idx="0">
+            <a:schemeClr val="accent1"/>
+          </a:effectRef>
+          <a:fontRef idx="minor">
+            <a:schemeClr val="lt1"/>
+          </a:fontRef>
+        </p:style>
+        <p:txBody>
+          <a:bodyPr rot="0" spcFirstLastPara="0" vertOverflow="overflow" horzOverflow="overflow" vert="horz" wrap="square" lIns="0" tIns="0" rIns="0" bIns="0" numCol="1" spcCol="0" rtlCol="0" fromWordArt="0" anchor="ctr" anchorCtr="0" forceAA="0" compatLnSpc="1">
+            <a:prstTxWarp prst="textNoShape">
+              <a:avLst/>
+            </a:prstTxWarp>
+            <a:noAutofit/>
+          </a:bodyPr>
+          <a:lstStyle/>
+          <a:p>
+            <a:pPr algn="ctr"/>
+            <a:r>
+              <a:rPr lang="ko-KR" altLang="en-US" sz="750" b="1" dirty="0">
+                <a:solidFill>
+                  <a:schemeClr val="tx1"/>
+                </a:solidFill>
+              </a:rPr>
+              <a:t>도서목록</a:t>
+            </a:r>
+          </a:p>
+        </p:txBody>
+      </p:sp>
+      <p:sp>
+        <p:nvSpPr>
+          <p:cNvPr id="21" name="직사각형 20"/>
+          <p:cNvSpPr/>
+          <p:nvPr/>
+        </p:nvSpPr>
+        <p:spPr>
+          <a:xfrm>
+            <a:off x="6462240" y="3334245"/>
+            <a:ext cx="270000" cy="378000"/>
+          </a:xfrm>
+          <a:prstGeom prst="rect">
+            <a:avLst/>
+          </a:prstGeom>
+          <a:solidFill>
+            <a:srgbClr val="CDC1B6"/>
+          </a:solidFill>
+          <a:ln>
+            <a:solidFill>
+              <a:srgbClr val="CDC1B6"/>
+            </a:solidFill>
+          </a:ln>
+        </p:spPr>
+        <p:style>
+          <a:lnRef idx="2">
+            <a:schemeClr val="accent1">
+              <a:shade val="50000"/>
+            </a:schemeClr>
+          </a:lnRef>
+          <a:fillRef idx="1">
+            <a:schemeClr val="accent1"/>
+          </a:fillRef>
+          <a:effectRef idx="0">
+            <a:schemeClr val="accent1"/>
+          </a:effectRef>
+          <a:fontRef idx="minor">
+            <a:schemeClr val="lt1"/>
+          </a:fontRef>
+        </p:style>
+        <p:txBody>
+          <a:bodyPr rot="0" spcFirstLastPara="0" vertOverflow="overflow" horzOverflow="overflow" vert="horz" wrap="square" lIns="0" tIns="0" rIns="0" bIns="0" numCol="1" spcCol="0" rtlCol="0" fromWordArt="0" anchor="ctr" anchorCtr="0" forceAA="0" compatLnSpc="1">
+            <a:prstTxWarp prst="textNoShape">
+              <a:avLst/>
+            </a:prstTxWarp>
+            <a:noAutofit/>
+          </a:bodyPr>
+          <a:lstStyle/>
+          <a:p>
+            <a:pPr algn="ctr"/>
+            <a:r>
+              <a:rPr lang="ko-KR" altLang="en-US" sz="750" b="1" dirty="0" err="1">
+                <a:solidFill>
+                  <a:schemeClr val="tx1"/>
+                </a:solidFill>
+              </a:rPr>
+              <a:t>글보기</a:t>
+            </a:r>
+            <a:endParaRPr lang="ko-KR" altLang="en-US" sz="750" b="1" dirty="0">
+              <a:solidFill>
+                <a:schemeClr val="tx1"/>
+              </a:solidFill>
+            </a:endParaRPr>
+          </a:p>
+        </p:txBody>
+      </p:sp>
+      <p:sp>
+        <p:nvSpPr>
+          <p:cNvPr id="23" name="직사각형 22"/>
+          <p:cNvSpPr/>
+          <p:nvPr/>
+        </p:nvSpPr>
+        <p:spPr>
+          <a:xfrm>
+            <a:off x="1484496" y="3334245"/>
+            <a:ext cx="270000" cy="378000"/>
+          </a:xfrm>
+          <a:prstGeom prst="rect">
+            <a:avLst/>
+          </a:prstGeom>
+          <a:solidFill>
+            <a:srgbClr val="CDC1B6"/>
+          </a:solidFill>
+          <a:ln>
+            <a:solidFill>
+              <a:srgbClr val="CDC1B6"/>
+            </a:solidFill>
+          </a:ln>
+        </p:spPr>
+        <p:style>
+          <a:lnRef idx="2">
+            <a:schemeClr val="accent1">
+              <a:shade val="50000"/>
+            </a:schemeClr>
+          </a:lnRef>
+          <a:fillRef idx="1">
+            <a:schemeClr val="accent1"/>
+          </a:fillRef>
+          <a:effectRef idx="0">
+            <a:schemeClr val="accent1"/>
+          </a:effectRef>
+          <a:fontRef idx="minor">
+            <a:schemeClr val="lt1"/>
+          </a:fontRef>
+        </p:style>
+        <p:txBody>
+          <a:bodyPr rot="0" spcFirstLastPara="0" vertOverflow="overflow" horzOverflow="overflow" vert="horz" wrap="square" lIns="0" tIns="0" rIns="0" bIns="0" numCol="1" spcCol="0" rtlCol="0" fromWordArt="0" anchor="ctr" anchorCtr="0" forceAA="0" compatLnSpc="1">
+            <a:prstTxWarp prst="textNoShape">
+              <a:avLst/>
+            </a:prstTxWarp>
+            <a:noAutofit/>
+          </a:bodyPr>
+          <a:lstStyle/>
+          <a:p>
+            <a:pPr algn="ctr"/>
+            <a:r>
+              <a:rPr lang="ko-KR" altLang="en-US" sz="750" b="1" dirty="0">
+                <a:solidFill>
+                  <a:schemeClr val="tx1"/>
+                </a:solidFill>
+              </a:rPr>
+              <a:t>사서등록</a:t>
+            </a:r>
+          </a:p>
+        </p:txBody>
+      </p:sp>
+      <p:sp>
+        <p:nvSpPr>
+          <p:cNvPr id="25" name="직사각형 24"/>
+          <p:cNvSpPr/>
+          <p:nvPr/>
+        </p:nvSpPr>
+        <p:spPr>
+          <a:xfrm>
+            <a:off x="2573808" y="3334766"/>
+            <a:ext cx="270000" cy="378000"/>
+          </a:xfrm>
+          <a:prstGeom prst="rect">
+            <a:avLst/>
+          </a:prstGeom>
+          <a:solidFill>
+            <a:srgbClr val="CDC1B6"/>
+          </a:solidFill>
+          <a:ln>
+            <a:solidFill>
+              <a:srgbClr val="CDC1B6"/>
+            </a:solidFill>
+          </a:ln>
+        </p:spPr>
+        <p:style>
+          <a:lnRef idx="2">
+            <a:schemeClr val="accent1">
+              <a:shade val="50000"/>
+            </a:schemeClr>
+          </a:lnRef>
+          <a:fillRef idx="1">
+            <a:schemeClr val="accent1"/>
+          </a:fillRef>
+          <a:effectRef idx="0">
+            <a:schemeClr val="accent1"/>
+          </a:effectRef>
+          <a:fontRef idx="minor">
+            <a:schemeClr val="lt1"/>
+          </a:fontRef>
+        </p:style>
+        <p:txBody>
+          <a:bodyPr rot="0" spcFirstLastPara="0" vertOverflow="overflow" horzOverflow="overflow" vert="horz" wrap="square" lIns="0" tIns="0" rIns="0" bIns="0" numCol="1" spcCol="0" rtlCol="0" fromWordArt="0" anchor="ctr" anchorCtr="0" forceAA="0" compatLnSpc="1">
+            <a:prstTxWarp prst="textNoShape">
+              <a:avLst/>
+            </a:prstTxWarp>
+            <a:noAutofit/>
+          </a:bodyPr>
+          <a:lstStyle/>
+          <a:p>
+            <a:pPr algn="ctr"/>
+            <a:r>
+              <a:rPr lang="ko-KR" altLang="en-US" sz="750" b="1" dirty="0">
+                <a:solidFill>
+                  <a:schemeClr val="tx1"/>
+                </a:solidFill>
+              </a:rPr>
+              <a:t>회원</a:t>
+            </a:r>
+            <a:endParaRPr lang="en-US" altLang="ko-KR" sz="750" b="1" dirty="0">
+              <a:solidFill>
+                <a:schemeClr val="tx1"/>
+              </a:solidFill>
+            </a:endParaRPr>
+          </a:p>
+          <a:p>
+            <a:pPr algn="ctr"/>
+            <a:r>
+              <a:rPr lang="ko-KR" altLang="en-US" sz="750" b="1" dirty="0">
+                <a:solidFill>
+                  <a:schemeClr val="tx1"/>
+                </a:solidFill>
+              </a:rPr>
+              <a:t>검색</a:t>
+            </a:r>
+          </a:p>
+        </p:txBody>
+      </p:sp>
+      <p:sp>
+        <p:nvSpPr>
+          <p:cNvPr id="26" name="직사각형 25"/>
+          <p:cNvSpPr/>
+          <p:nvPr/>
+        </p:nvSpPr>
+        <p:spPr>
+          <a:xfrm>
+            <a:off x="3202087" y="3338147"/>
+            <a:ext cx="333596" cy="378000"/>
+          </a:xfrm>
+          <a:prstGeom prst="rect">
+            <a:avLst/>
+          </a:prstGeom>
+          <a:solidFill>
+            <a:srgbClr val="CDC1B6"/>
+          </a:solidFill>
+          <a:ln>
+            <a:solidFill>
+              <a:srgbClr val="CDC1B6"/>
+            </a:solidFill>
+          </a:ln>
+        </p:spPr>
+        <p:style>
+          <a:lnRef idx="2">
+            <a:schemeClr val="accent1">
+              <a:shade val="50000"/>
+            </a:schemeClr>
+          </a:lnRef>
+          <a:fillRef idx="1">
+            <a:schemeClr val="accent1"/>
+          </a:fillRef>
+          <a:effectRef idx="0">
+            <a:schemeClr val="accent1"/>
+          </a:effectRef>
+          <a:fontRef idx="minor">
+            <a:schemeClr val="lt1"/>
+          </a:fontRef>
+        </p:style>
+        <p:txBody>
+          <a:bodyPr rot="0" spcFirstLastPara="0" vertOverflow="overflow" horzOverflow="overflow" vert="horz" wrap="square" lIns="0" tIns="0" rIns="0" bIns="0" numCol="1" spcCol="0" rtlCol="0" fromWordArt="0" anchor="ctr" anchorCtr="0" forceAA="0" compatLnSpc="1">
+            <a:prstTxWarp prst="textNoShape">
+              <a:avLst/>
+            </a:prstTxWarp>
+            <a:noAutofit/>
+          </a:bodyPr>
+          <a:lstStyle/>
+          <a:p>
+            <a:pPr algn="ctr"/>
+            <a:r>
+              <a:rPr lang="ko-KR" altLang="en-US" sz="750" b="1">
+                <a:solidFill>
+                  <a:schemeClr val="tx1"/>
+                </a:solidFill>
+              </a:rPr>
+              <a:t>레벨별</a:t>
+            </a:r>
+            <a:endParaRPr lang="en-US" altLang="ko-KR" sz="750" b="1" dirty="0">
+              <a:solidFill>
+                <a:schemeClr val="tx1"/>
+              </a:solidFill>
+            </a:endParaRPr>
+          </a:p>
+          <a:p>
+            <a:pPr algn="ctr"/>
+            <a:r>
+              <a:rPr lang="ko-KR" altLang="en-US" sz="750" b="1" dirty="0">
+                <a:solidFill>
+                  <a:schemeClr val="tx1"/>
+                </a:solidFill>
+              </a:rPr>
+              <a:t>목록</a:t>
+            </a:r>
+          </a:p>
+        </p:txBody>
+      </p:sp>
+      <p:sp>
+        <p:nvSpPr>
+          <p:cNvPr id="27" name="직사각형 26"/>
+          <p:cNvSpPr/>
+          <p:nvPr/>
+        </p:nvSpPr>
+        <p:spPr>
+          <a:xfrm>
+            <a:off x="4788054" y="3321417"/>
+            <a:ext cx="270000" cy="378000"/>
+          </a:xfrm>
+          <a:prstGeom prst="rect">
+            <a:avLst/>
+          </a:prstGeom>
+          <a:solidFill>
+            <a:srgbClr val="CDC1B6"/>
+          </a:solidFill>
+          <a:ln>
+            <a:solidFill>
+              <a:srgbClr val="CDC1B6"/>
+            </a:solidFill>
+          </a:ln>
+        </p:spPr>
+        <p:style>
+          <a:lnRef idx="2">
+            <a:schemeClr val="accent1">
+              <a:shade val="50000"/>
+            </a:schemeClr>
+          </a:lnRef>
+          <a:fillRef idx="1">
+            <a:schemeClr val="accent1"/>
+          </a:fillRef>
+          <a:effectRef idx="0">
+            <a:schemeClr val="accent1"/>
+          </a:effectRef>
+          <a:fontRef idx="minor">
+            <a:schemeClr val="lt1"/>
+          </a:fontRef>
+        </p:style>
+        <p:txBody>
+          <a:bodyPr rot="0" spcFirstLastPara="0" vertOverflow="overflow" horzOverflow="overflow" vert="horz" wrap="square" lIns="0" tIns="0" rIns="0" bIns="0" numCol="1" spcCol="0" rtlCol="0" fromWordArt="0" anchor="ctr" anchorCtr="0" forceAA="0" compatLnSpc="1">
+            <a:prstTxWarp prst="textNoShape">
+              <a:avLst/>
+            </a:prstTxWarp>
+            <a:noAutofit/>
+          </a:bodyPr>
+          <a:lstStyle/>
+          <a:p>
+            <a:pPr algn="ctr"/>
+            <a:r>
+              <a:rPr lang="ko-KR" altLang="en-US" sz="750" b="1" dirty="0">
+                <a:solidFill>
+                  <a:schemeClr val="tx1"/>
+                </a:solidFill>
+              </a:rPr>
+              <a:t>도서등록</a:t>
+            </a:r>
+          </a:p>
+        </p:txBody>
+      </p:sp>
+      <p:sp>
+        <p:nvSpPr>
+          <p:cNvPr id="28" name="직사각형 27"/>
+          <p:cNvSpPr/>
+          <p:nvPr/>
+        </p:nvSpPr>
+        <p:spPr>
+          <a:xfrm>
+            <a:off x="5828362" y="3346926"/>
+            <a:ext cx="270000" cy="378000"/>
+          </a:xfrm>
+          <a:prstGeom prst="rect">
+            <a:avLst/>
+          </a:prstGeom>
+          <a:solidFill>
+            <a:srgbClr val="CDC1B6"/>
+          </a:solidFill>
+          <a:ln>
+            <a:solidFill>
+              <a:srgbClr val="CDC1B6"/>
+            </a:solidFill>
+          </a:ln>
+        </p:spPr>
+        <p:style>
+          <a:lnRef idx="2">
+            <a:schemeClr val="accent1">
+              <a:shade val="50000"/>
+            </a:schemeClr>
+          </a:lnRef>
+          <a:fillRef idx="1">
+            <a:schemeClr val="accent1"/>
+          </a:fillRef>
+          <a:effectRef idx="0">
+            <a:schemeClr val="accent1"/>
+          </a:effectRef>
+          <a:fontRef idx="minor">
+            <a:schemeClr val="lt1"/>
+          </a:fontRef>
+        </p:style>
+        <p:txBody>
+          <a:bodyPr rot="0" spcFirstLastPara="0" vertOverflow="overflow" horzOverflow="overflow" vert="horz" wrap="square" lIns="0" tIns="0" rIns="0" bIns="0" numCol="1" spcCol="0" rtlCol="0" fromWordArt="0" anchor="ctr" anchorCtr="0" forceAA="0" compatLnSpc="1">
+            <a:prstTxWarp prst="textNoShape">
+              <a:avLst/>
+            </a:prstTxWarp>
+            <a:noAutofit/>
+          </a:bodyPr>
+          <a:lstStyle/>
+          <a:p>
+            <a:pPr algn="ctr"/>
+            <a:r>
+              <a:rPr lang="ko-KR" altLang="en-US" sz="750" b="1" dirty="0" err="1">
+                <a:solidFill>
+                  <a:schemeClr val="tx1"/>
+                </a:solidFill>
+              </a:rPr>
+              <a:t>글수정</a:t>
+            </a:r>
+            <a:endParaRPr lang="ko-KR" altLang="en-US" sz="750" b="1" dirty="0">
+              <a:solidFill>
+                <a:schemeClr val="tx1"/>
+              </a:solidFill>
+            </a:endParaRPr>
+          </a:p>
+        </p:txBody>
+      </p:sp>
+      <p:sp>
+        <p:nvSpPr>
+          <p:cNvPr id="29" name="직사각형 28"/>
+          <p:cNvSpPr/>
+          <p:nvPr/>
+        </p:nvSpPr>
+        <p:spPr>
+          <a:xfrm>
+            <a:off x="6138234" y="3345089"/>
+            <a:ext cx="270000" cy="378000"/>
+          </a:xfrm>
+          <a:prstGeom prst="rect">
+            <a:avLst/>
+          </a:prstGeom>
+          <a:solidFill>
+            <a:srgbClr val="CDC1B6"/>
+          </a:solidFill>
+          <a:ln>
+            <a:solidFill>
+              <a:srgbClr val="CDC1B6"/>
+            </a:solidFill>
+          </a:ln>
+        </p:spPr>
+        <p:style>
+          <a:lnRef idx="2">
+            <a:schemeClr val="accent1">
+              <a:shade val="50000"/>
+            </a:schemeClr>
+          </a:lnRef>
+          <a:fillRef idx="1">
+            <a:schemeClr val="accent1"/>
+          </a:fillRef>
+          <a:effectRef idx="0">
+            <a:schemeClr val="accent1"/>
+          </a:effectRef>
+          <a:fontRef idx="minor">
+            <a:schemeClr val="lt1"/>
+          </a:fontRef>
+        </p:style>
+        <p:txBody>
+          <a:bodyPr rot="0" spcFirstLastPara="0" vertOverflow="overflow" horzOverflow="overflow" vert="horz" wrap="square" lIns="0" tIns="0" rIns="0" bIns="0" numCol="1" spcCol="0" rtlCol="0" fromWordArt="0" anchor="ctr" anchorCtr="0" forceAA="0" compatLnSpc="1">
+            <a:prstTxWarp prst="textNoShape">
+              <a:avLst/>
+            </a:prstTxWarp>
+            <a:noAutofit/>
+          </a:bodyPr>
+          <a:lstStyle/>
+          <a:p>
+            <a:pPr algn="ctr"/>
+            <a:r>
+              <a:rPr lang="ko-KR" altLang="en-US" sz="750" b="1" dirty="0" err="1">
+                <a:solidFill>
+                  <a:schemeClr val="tx1"/>
+                </a:solidFill>
+              </a:rPr>
+              <a:t>글삭제</a:t>
+            </a:r>
+            <a:endParaRPr lang="ko-KR" altLang="en-US" sz="750" b="1" dirty="0">
+              <a:solidFill>
+                <a:schemeClr val="tx1"/>
+              </a:solidFill>
+            </a:endParaRPr>
+          </a:p>
+        </p:txBody>
+      </p:sp>
+      <p:sp>
+        <p:nvSpPr>
+          <p:cNvPr id="31" name="직사각형 30"/>
+          <p:cNvSpPr/>
+          <p:nvPr/>
+        </p:nvSpPr>
+        <p:spPr>
+          <a:xfrm>
+            <a:off x="7110282" y="3345089"/>
+            <a:ext cx="270000" cy="378000"/>
+          </a:xfrm>
+          <a:prstGeom prst="rect">
+            <a:avLst/>
+          </a:prstGeom>
+          <a:solidFill>
+            <a:srgbClr val="CDC1B6"/>
+          </a:solidFill>
+          <a:ln>
+            <a:solidFill>
+              <a:srgbClr val="CDC1B6"/>
+            </a:solidFill>
+          </a:ln>
+        </p:spPr>
+        <p:style>
+          <a:lnRef idx="2">
+            <a:schemeClr val="accent1">
+              <a:shade val="50000"/>
+            </a:schemeClr>
+          </a:lnRef>
+          <a:fillRef idx="1">
+            <a:schemeClr val="accent1"/>
+          </a:fillRef>
+          <a:effectRef idx="0">
+            <a:schemeClr val="accent1"/>
+          </a:effectRef>
+          <a:fontRef idx="minor">
+            <a:schemeClr val="lt1"/>
+          </a:fontRef>
+        </p:style>
+        <p:txBody>
+          <a:bodyPr rot="0" spcFirstLastPara="0" vertOverflow="overflow" horzOverflow="overflow" vert="horz" wrap="square" lIns="0" tIns="0" rIns="0" bIns="0" numCol="1" spcCol="0" rtlCol="0" fromWordArt="0" anchor="ctr" anchorCtr="0" forceAA="0" compatLnSpc="1">
+            <a:prstTxWarp prst="textNoShape">
+              <a:avLst/>
+            </a:prstTxWarp>
+            <a:noAutofit/>
+          </a:bodyPr>
+          <a:lstStyle/>
+          <a:p>
+            <a:pPr algn="ctr"/>
+            <a:r>
+              <a:rPr lang="ko-KR" altLang="en-US" sz="750" b="1" dirty="0">
+                <a:solidFill>
+                  <a:schemeClr val="tx1"/>
+                </a:solidFill>
+              </a:rPr>
+              <a:t>도서통계</a:t>
+            </a:r>
+          </a:p>
+        </p:txBody>
+      </p:sp>
+      <p:sp>
+        <p:nvSpPr>
+          <p:cNvPr id="33" name="직사각형 32"/>
+          <p:cNvSpPr/>
+          <p:nvPr/>
+        </p:nvSpPr>
+        <p:spPr>
+          <a:xfrm>
+            <a:off x="7434959" y="3345089"/>
+            <a:ext cx="270000" cy="378000"/>
+          </a:xfrm>
+          <a:prstGeom prst="rect">
+            <a:avLst/>
+          </a:prstGeom>
+          <a:solidFill>
+            <a:srgbClr val="CDC1B6"/>
+          </a:solidFill>
+          <a:ln>
+            <a:solidFill>
+              <a:srgbClr val="CDC1B6"/>
+            </a:solidFill>
+          </a:ln>
+        </p:spPr>
+        <p:style>
+          <a:lnRef idx="2">
+            <a:schemeClr val="accent1">
+              <a:shade val="50000"/>
+            </a:schemeClr>
+          </a:lnRef>
+          <a:fillRef idx="1">
+            <a:schemeClr val="accent1"/>
+          </a:fillRef>
+          <a:effectRef idx="0">
+            <a:schemeClr val="accent1"/>
+          </a:effectRef>
+          <a:fontRef idx="minor">
+            <a:schemeClr val="lt1"/>
+          </a:fontRef>
+        </p:style>
+        <p:txBody>
+          <a:bodyPr rot="0" spcFirstLastPara="0" vertOverflow="overflow" horzOverflow="overflow" vert="horz" wrap="square" lIns="0" tIns="0" rIns="0" bIns="0" numCol="1" spcCol="0" rtlCol="0" fromWordArt="0" anchor="ctr" anchorCtr="0" forceAA="0" compatLnSpc="1">
+            <a:prstTxWarp prst="textNoShape">
+              <a:avLst/>
+            </a:prstTxWarp>
+            <a:noAutofit/>
+          </a:bodyPr>
+          <a:lstStyle/>
+          <a:p>
+            <a:pPr algn="ctr"/>
+            <a:r>
+              <a:rPr lang="ko-KR" altLang="en-US" sz="750" b="1" dirty="0">
+                <a:solidFill>
+                  <a:schemeClr val="tx1"/>
+                </a:solidFill>
+              </a:rPr>
+              <a:t>도서추천</a:t>
+            </a:r>
+          </a:p>
+        </p:txBody>
+      </p:sp>
+      <p:sp>
+        <p:nvSpPr>
+          <p:cNvPr id="39" name="직사각형 38"/>
+          <p:cNvSpPr/>
+          <p:nvPr/>
+        </p:nvSpPr>
+        <p:spPr>
+          <a:xfrm>
+            <a:off x="4302018" y="1035341"/>
+            <a:ext cx="432000" cy="243000"/>
+          </a:xfrm>
+          <a:prstGeom prst="rect">
+            <a:avLst/>
+          </a:prstGeom>
+          <a:solidFill>
+            <a:srgbClr val="987C4D"/>
+          </a:solidFill>
+          <a:ln>
+            <a:solidFill>
+              <a:srgbClr val="987C4D"/>
+            </a:solidFill>
+          </a:ln>
+        </p:spPr>
+        <p:style>
+          <a:lnRef idx="2">
+            <a:schemeClr val="accent1">
+              <a:shade val="50000"/>
+            </a:schemeClr>
+          </a:lnRef>
+          <a:fillRef idx="1">
+            <a:schemeClr val="accent1"/>
+          </a:fillRef>
+          <a:effectRef idx="0">
+            <a:schemeClr val="accent1"/>
+          </a:effectRef>
+          <a:fontRef idx="minor">
+            <a:schemeClr val="lt1"/>
+          </a:fontRef>
+        </p:style>
+        <p:txBody>
+          <a:bodyPr rot="0" spcFirstLastPara="0" vertOverflow="overflow" horzOverflow="overflow" vert="horz" wrap="square" lIns="0" tIns="0" rIns="0" bIns="0" numCol="1" spcCol="0" rtlCol="0" fromWordArt="0" anchor="ctr" anchorCtr="0" forceAA="0" compatLnSpc="1">
+            <a:prstTxWarp prst="textNoShape">
+              <a:avLst/>
+            </a:prstTxWarp>
+            <a:noAutofit/>
+          </a:bodyPr>
+          <a:lstStyle/>
+          <a:p>
+            <a:pPr algn="ctr"/>
+            <a:r>
+              <a:rPr lang="ko-KR" altLang="en-US" sz="750" b="1" dirty="0"/>
+              <a:t>로그인</a:t>
+            </a:r>
+            <a:r>
+              <a:rPr lang="en-US" altLang="ko-KR" sz="750" b="1" dirty="0"/>
+              <a:t>/</a:t>
+            </a:r>
+          </a:p>
+          <a:p>
+            <a:pPr algn="ctr"/>
+            <a:r>
+              <a:rPr lang="ko-KR" altLang="en-US" sz="750" b="1" dirty="0"/>
+              <a:t>로그아웃</a:t>
+            </a:r>
+          </a:p>
+        </p:txBody>
+      </p:sp>
+      <p:cxnSp>
+        <p:nvCxnSpPr>
+          <p:cNvPr id="41" name="직선 연결선 40"/>
+          <p:cNvCxnSpPr>
+            <a:stCxn id="5" idx="2"/>
+            <a:endCxn id="39" idx="0"/>
+          </p:cNvCxnSpPr>
+          <p:nvPr/>
+        </p:nvCxnSpPr>
+        <p:spPr>
+          <a:xfrm flipH="1">
+            <a:off x="4518018" y="875681"/>
+            <a:ext cx="26964" cy="159661"/>
+          </a:xfrm>
+          <a:prstGeom prst="line">
+            <a:avLst/>
+          </a:prstGeom>
+          <a:ln w="12700">
+            <a:solidFill>
+              <a:srgbClr val="756B5F"/>
+            </a:solidFill>
+            <a:tailEnd type="none"/>
+          </a:ln>
+        </p:spPr>
+        <p:style>
+          <a:lnRef idx="1">
+            <a:schemeClr val="accent1"/>
+          </a:lnRef>
+          <a:fillRef idx="0">
+            <a:schemeClr val="accent1"/>
+          </a:fillRef>
+          <a:effectRef idx="0">
+            <a:schemeClr val="accent1"/>
+          </a:effectRef>
+          <a:fontRef idx="minor">
+            <a:schemeClr val="tx1"/>
+          </a:fontRef>
+        </p:style>
+      </p:cxnSp>
+      <p:cxnSp>
+        <p:nvCxnSpPr>
+          <p:cNvPr id="67" name="꺾인 연결선 66"/>
+          <p:cNvCxnSpPr>
+            <a:stCxn id="12" idx="2"/>
+            <a:endCxn id="23" idx="0"/>
+          </p:cNvCxnSpPr>
+          <p:nvPr/>
+        </p:nvCxnSpPr>
+        <p:spPr>
+          <a:xfrm rot="5400000">
+            <a:off x="1345925" y="2916943"/>
+            <a:ext cx="690875" cy="143732"/>
+          </a:xfrm>
+          <a:prstGeom prst="bentConnector3">
+            <a:avLst/>
+          </a:prstGeom>
+          <a:ln w="12700">
+            <a:solidFill>
+              <a:srgbClr val="756B5F"/>
+            </a:solidFill>
+            <a:tailEnd type="none"/>
+          </a:ln>
+        </p:spPr>
+        <p:style>
+          <a:lnRef idx="1">
+            <a:schemeClr val="accent1"/>
+          </a:lnRef>
+          <a:fillRef idx="0">
+            <a:schemeClr val="accent1"/>
+          </a:fillRef>
+          <a:effectRef idx="0">
+            <a:schemeClr val="accent1"/>
+          </a:effectRef>
+          <a:fontRef idx="minor">
+            <a:schemeClr val="tx1"/>
+          </a:fontRef>
+        </p:style>
+      </p:cxnSp>
+      <p:cxnSp>
+        <p:nvCxnSpPr>
+          <p:cNvPr id="71" name="꺾인 연결선 70"/>
+          <p:cNvCxnSpPr>
+            <a:stCxn id="12" idx="2"/>
+            <a:endCxn id="18" idx="0"/>
+          </p:cNvCxnSpPr>
+          <p:nvPr/>
+        </p:nvCxnSpPr>
+        <p:spPr>
+          <a:xfrm rot="16200000" flipH="1">
+            <a:off x="1514558" y="2892042"/>
+            <a:ext cx="686839" cy="189496"/>
+          </a:xfrm>
+          <a:prstGeom prst="bentConnector3">
+            <a:avLst/>
+          </a:prstGeom>
+          <a:ln w="12700">
+            <a:solidFill>
+              <a:srgbClr val="756B5F"/>
+            </a:solidFill>
+            <a:tailEnd type="none"/>
+          </a:ln>
+        </p:spPr>
+        <p:style>
+          <a:lnRef idx="1">
+            <a:schemeClr val="accent1"/>
+          </a:lnRef>
+          <a:fillRef idx="0">
+            <a:schemeClr val="accent1"/>
+          </a:fillRef>
+          <a:effectRef idx="0">
+            <a:schemeClr val="accent1"/>
+          </a:effectRef>
+          <a:fontRef idx="minor">
+            <a:schemeClr val="tx1"/>
+          </a:fontRef>
+        </p:style>
+      </p:cxnSp>
+      <p:cxnSp>
+        <p:nvCxnSpPr>
+          <p:cNvPr id="73" name="꺾인 연결선 72"/>
+          <p:cNvCxnSpPr>
+            <a:stCxn id="10" idx="2"/>
+            <a:endCxn id="12" idx="0"/>
+          </p:cNvCxnSpPr>
+          <p:nvPr/>
+        </p:nvCxnSpPr>
+        <p:spPr>
+          <a:xfrm rot="5400000">
+            <a:off x="3816885" y="-217912"/>
+            <a:ext cx="429627" cy="4536940"/>
+          </a:xfrm>
+          <a:prstGeom prst="bentConnector3">
+            <a:avLst/>
+          </a:prstGeom>
+          <a:ln w="12700">
+            <a:solidFill>
+              <a:srgbClr val="756B5F"/>
+            </a:solidFill>
+            <a:tailEnd type="none"/>
+          </a:ln>
+        </p:spPr>
+        <p:style>
+          <a:lnRef idx="1">
+            <a:schemeClr val="accent1"/>
+          </a:lnRef>
+          <a:fillRef idx="0">
+            <a:schemeClr val="accent1"/>
+          </a:fillRef>
+          <a:effectRef idx="0">
+            <a:schemeClr val="accent1"/>
+          </a:effectRef>
+          <a:fontRef idx="minor">
+            <a:schemeClr val="tx1"/>
+          </a:fontRef>
+        </p:style>
+      </p:cxnSp>
+      <p:cxnSp>
+        <p:nvCxnSpPr>
+          <p:cNvPr id="83" name="꺾인 연결선 82"/>
+          <p:cNvCxnSpPr>
+            <a:stCxn id="10" idx="2"/>
+            <a:endCxn id="15" idx="0"/>
+          </p:cNvCxnSpPr>
+          <p:nvPr/>
+        </p:nvCxnSpPr>
+        <p:spPr>
+          <a:xfrm rot="16200000" flipH="1">
+            <a:off x="6663740" y="1472171"/>
+            <a:ext cx="380018" cy="1107162"/>
+          </a:xfrm>
+          <a:prstGeom prst="bentConnector3">
+            <a:avLst>
+              <a:gd name="adj1" fmla="val 56445"/>
+            </a:avLst>
+          </a:prstGeom>
+          <a:ln w="12700">
+            <a:solidFill>
+              <a:srgbClr val="756B5F"/>
+            </a:solidFill>
+            <a:tailEnd type="none"/>
+          </a:ln>
+        </p:spPr>
+        <p:style>
+          <a:lnRef idx="1">
+            <a:schemeClr val="accent1"/>
+          </a:lnRef>
+          <a:fillRef idx="0">
+            <a:schemeClr val="accent1"/>
+          </a:fillRef>
+          <a:effectRef idx="0">
+            <a:schemeClr val="accent1"/>
+          </a:effectRef>
+          <a:fontRef idx="minor">
+            <a:schemeClr val="tx1"/>
+          </a:fontRef>
+        </p:style>
+      </p:cxnSp>
+      <p:cxnSp>
+        <p:nvCxnSpPr>
+          <p:cNvPr id="87" name="꺾인 연결선 86"/>
+          <p:cNvCxnSpPr>
+            <a:stCxn id="15" idx="2"/>
+            <a:endCxn id="31" idx="0"/>
+          </p:cNvCxnSpPr>
+          <p:nvPr/>
+        </p:nvCxnSpPr>
+        <p:spPr>
+          <a:xfrm rot="5400000">
+            <a:off x="6950642" y="2888401"/>
+            <a:ext cx="751328" cy="162048"/>
+          </a:xfrm>
+          <a:prstGeom prst="bentConnector3">
+            <a:avLst/>
+          </a:prstGeom>
+          <a:ln w="12700">
+            <a:solidFill>
+              <a:srgbClr val="756B5F"/>
+            </a:solidFill>
+            <a:tailEnd type="none"/>
+          </a:ln>
+        </p:spPr>
+        <p:style>
+          <a:lnRef idx="1">
+            <a:schemeClr val="accent1"/>
+          </a:lnRef>
+          <a:fillRef idx="0">
+            <a:schemeClr val="accent1"/>
+          </a:fillRef>
+          <a:effectRef idx="0">
+            <a:schemeClr val="accent1"/>
+          </a:effectRef>
+          <a:fontRef idx="minor">
+            <a:schemeClr val="tx1"/>
+          </a:fontRef>
+        </p:style>
+      </p:cxnSp>
+      <p:cxnSp>
+        <p:nvCxnSpPr>
+          <p:cNvPr id="96" name="꺾인 연결선 95"/>
+          <p:cNvCxnSpPr>
+            <a:stCxn id="33" idx="0"/>
+            <a:endCxn id="15" idx="2"/>
+          </p:cNvCxnSpPr>
+          <p:nvPr/>
+        </p:nvCxnSpPr>
+        <p:spPr>
+          <a:xfrm rot="16200000" flipV="1">
+            <a:off x="7112981" y="2888111"/>
+            <a:ext cx="751328" cy="162629"/>
+          </a:xfrm>
+          <a:prstGeom prst="bentConnector3">
+            <a:avLst/>
+          </a:prstGeom>
+          <a:ln w="12700">
+            <a:solidFill>
+              <a:srgbClr val="756B5F"/>
+            </a:solidFill>
+            <a:tailEnd type="none"/>
+          </a:ln>
+        </p:spPr>
+        <p:style>
+          <a:lnRef idx="1">
+            <a:schemeClr val="accent1"/>
+          </a:lnRef>
+          <a:fillRef idx="0">
+            <a:schemeClr val="accent1"/>
+          </a:fillRef>
+          <a:effectRef idx="0">
+            <a:schemeClr val="accent1"/>
+          </a:effectRef>
+          <a:fontRef idx="minor">
+            <a:schemeClr val="tx1"/>
+          </a:fontRef>
+        </p:style>
+      </p:cxnSp>
+      <p:cxnSp>
+        <p:nvCxnSpPr>
+          <p:cNvPr id="100" name="꺾인 연결선 99"/>
+          <p:cNvCxnSpPr>
+            <a:stCxn id="11" idx="2"/>
+            <a:endCxn id="21" idx="0"/>
+          </p:cNvCxnSpPr>
+          <p:nvPr/>
+        </p:nvCxnSpPr>
+        <p:spPr>
+          <a:xfrm rot="16200000" flipH="1">
+            <a:off x="5983971" y="2720976"/>
+            <a:ext cx="740484" cy="486054"/>
+          </a:xfrm>
+          <a:prstGeom prst="bentConnector3">
+            <a:avLst/>
+          </a:prstGeom>
+          <a:ln w="12700">
+            <a:solidFill>
+              <a:srgbClr val="756B5F"/>
+            </a:solidFill>
+            <a:tailEnd type="none"/>
+          </a:ln>
+        </p:spPr>
+        <p:style>
+          <a:lnRef idx="1">
+            <a:schemeClr val="accent1"/>
+          </a:lnRef>
+          <a:fillRef idx="0">
+            <a:schemeClr val="accent1"/>
+          </a:fillRef>
+          <a:effectRef idx="0">
+            <a:schemeClr val="accent1"/>
+          </a:effectRef>
+          <a:fontRef idx="minor">
+            <a:schemeClr val="tx1"/>
+          </a:fontRef>
+        </p:style>
+      </p:cxnSp>
+      <p:cxnSp>
+        <p:nvCxnSpPr>
+          <p:cNvPr id="102" name="꺾인 연결선 101"/>
+          <p:cNvCxnSpPr>
+            <a:stCxn id="11" idx="2"/>
+            <a:endCxn id="17" idx="0"/>
+          </p:cNvCxnSpPr>
+          <p:nvPr/>
+        </p:nvCxnSpPr>
+        <p:spPr>
+          <a:xfrm rot="5400000">
+            <a:off x="5499983" y="2735725"/>
+            <a:ext cx="753165" cy="469241"/>
+          </a:xfrm>
+          <a:prstGeom prst="bentConnector3">
+            <a:avLst/>
+          </a:prstGeom>
+          <a:ln w="12700">
+            <a:solidFill>
+              <a:srgbClr val="756B5F"/>
+            </a:solidFill>
+            <a:tailEnd type="none"/>
+          </a:ln>
+        </p:spPr>
+        <p:style>
+          <a:lnRef idx="1">
+            <a:schemeClr val="accent1"/>
+          </a:lnRef>
+          <a:fillRef idx="0">
+            <a:schemeClr val="accent1"/>
+          </a:fillRef>
+          <a:effectRef idx="0">
+            <a:schemeClr val="accent1"/>
+          </a:effectRef>
+          <a:fontRef idx="minor">
+            <a:schemeClr val="tx1"/>
+          </a:fontRef>
+        </p:style>
+      </p:cxnSp>
+      <p:cxnSp>
+        <p:nvCxnSpPr>
+          <p:cNvPr id="104" name="꺾인 연결선 103"/>
+          <p:cNvCxnSpPr>
+            <a:stCxn id="11" idx="2"/>
+            <a:endCxn id="29" idx="0"/>
+          </p:cNvCxnSpPr>
+          <p:nvPr/>
+        </p:nvCxnSpPr>
+        <p:spPr>
+          <a:xfrm rot="16200000" flipH="1">
+            <a:off x="5816546" y="2888401"/>
+            <a:ext cx="751328" cy="162048"/>
+          </a:xfrm>
+          <a:prstGeom prst="bentConnector3">
+            <a:avLst/>
+          </a:prstGeom>
+          <a:ln w="12700">
+            <a:solidFill>
+              <a:srgbClr val="756B5F"/>
+            </a:solidFill>
+            <a:tailEnd type="none"/>
+          </a:ln>
+        </p:spPr>
+        <p:style>
+          <a:lnRef idx="1">
+            <a:schemeClr val="accent1"/>
+          </a:lnRef>
+          <a:fillRef idx="0">
+            <a:schemeClr val="accent1"/>
+          </a:fillRef>
+          <a:effectRef idx="0">
+            <a:schemeClr val="accent1"/>
+          </a:effectRef>
+          <a:fontRef idx="minor">
+            <a:schemeClr val="tx1"/>
+          </a:fontRef>
+        </p:style>
+      </p:cxnSp>
+      <p:cxnSp>
+        <p:nvCxnSpPr>
+          <p:cNvPr id="106" name="꺾인 연결선 105"/>
+          <p:cNvCxnSpPr>
+            <a:stCxn id="11" idx="2"/>
+            <a:endCxn id="28" idx="0"/>
+          </p:cNvCxnSpPr>
+          <p:nvPr/>
+        </p:nvCxnSpPr>
+        <p:spPr>
+          <a:xfrm rot="5400000">
+            <a:off x="5660692" y="2896433"/>
+            <a:ext cx="753165" cy="147824"/>
+          </a:xfrm>
+          <a:prstGeom prst="bentConnector3">
+            <a:avLst/>
+          </a:prstGeom>
+          <a:ln w="12700">
+            <a:solidFill>
+              <a:srgbClr val="756B5F"/>
+            </a:solidFill>
+            <a:tailEnd type="none"/>
+          </a:ln>
+        </p:spPr>
+        <p:style>
+          <a:lnRef idx="1">
+            <a:schemeClr val="accent1"/>
+          </a:lnRef>
+          <a:fillRef idx="0">
+            <a:schemeClr val="accent1"/>
+          </a:fillRef>
+          <a:effectRef idx="0">
+            <a:schemeClr val="accent1"/>
+          </a:effectRef>
+          <a:fontRef idx="minor">
+            <a:schemeClr val="tx1"/>
+          </a:fontRef>
+        </p:style>
+      </p:cxnSp>
+      <p:cxnSp>
+        <p:nvCxnSpPr>
+          <p:cNvPr id="108" name="꺾인 연결선 107"/>
+          <p:cNvCxnSpPr>
+            <a:stCxn id="14" idx="2"/>
+            <a:endCxn id="27" idx="0"/>
+          </p:cNvCxnSpPr>
+          <p:nvPr/>
+        </p:nvCxnSpPr>
+        <p:spPr>
+          <a:xfrm rot="16200000" flipH="1">
+            <a:off x="4478202" y="2876565"/>
+            <a:ext cx="727656" cy="162048"/>
+          </a:xfrm>
+          <a:prstGeom prst="bentConnector3">
+            <a:avLst/>
+          </a:prstGeom>
+          <a:ln w="12700">
+            <a:solidFill>
+              <a:srgbClr val="756B5F"/>
+            </a:solidFill>
+            <a:tailEnd type="none"/>
+          </a:ln>
+        </p:spPr>
+        <p:style>
+          <a:lnRef idx="1">
+            <a:schemeClr val="accent1"/>
+          </a:lnRef>
+          <a:fillRef idx="0">
+            <a:schemeClr val="accent1"/>
+          </a:fillRef>
+          <a:effectRef idx="0">
+            <a:schemeClr val="accent1"/>
+          </a:effectRef>
+          <a:fontRef idx="minor">
+            <a:schemeClr val="tx1"/>
+          </a:fontRef>
+        </p:style>
+      </p:cxnSp>
+      <p:cxnSp>
+        <p:nvCxnSpPr>
+          <p:cNvPr id="110" name="꺾인 연결선 109"/>
+          <p:cNvCxnSpPr>
+            <a:stCxn id="14" idx="2"/>
+            <a:endCxn id="20" idx="0"/>
+          </p:cNvCxnSpPr>
+          <p:nvPr/>
+        </p:nvCxnSpPr>
+        <p:spPr>
+          <a:xfrm rot="5400000">
+            <a:off x="4318302" y="2874477"/>
+            <a:ext cx="723420" cy="161988"/>
+          </a:xfrm>
+          <a:prstGeom prst="bentConnector3">
+            <a:avLst/>
+          </a:prstGeom>
+          <a:ln w="12700">
+            <a:solidFill>
+              <a:srgbClr val="756B5F"/>
+            </a:solidFill>
+            <a:tailEnd type="none"/>
+          </a:ln>
+        </p:spPr>
+        <p:style>
+          <a:lnRef idx="1">
+            <a:schemeClr val="accent1"/>
+          </a:lnRef>
+          <a:fillRef idx="0">
+            <a:schemeClr val="accent1"/>
+          </a:fillRef>
+          <a:effectRef idx="0">
+            <a:schemeClr val="accent1"/>
+          </a:effectRef>
+          <a:fontRef idx="minor">
+            <a:schemeClr val="tx1"/>
+          </a:fontRef>
+        </p:style>
+      </p:cxnSp>
+      <p:cxnSp>
+        <p:nvCxnSpPr>
+          <p:cNvPr id="112" name="꺾인 연결선 111"/>
+          <p:cNvCxnSpPr>
+            <a:stCxn id="13" idx="2"/>
+            <a:endCxn id="26" idx="0"/>
+          </p:cNvCxnSpPr>
+          <p:nvPr/>
+        </p:nvCxnSpPr>
+        <p:spPr>
+          <a:xfrm rot="16200000" flipH="1">
+            <a:off x="2837343" y="2806605"/>
+            <a:ext cx="719581" cy="343504"/>
+          </a:xfrm>
+          <a:prstGeom prst="bentConnector3">
+            <a:avLst/>
+          </a:prstGeom>
+          <a:ln w="12700">
+            <a:solidFill>
+              <a:srgbClr val="756B5F"/>
+            </a:solidFill>
+            <a:tailEnd type="none"/>
+          </a:ln>
+        </p:spPr>
+        <p:style>
+          <a:lnRef idx="1">
+            <a:schemeClr val="accent1"/>
+          </a:lnRef>
+          <a:fillRef idx="0">
+            <a:schemeClr val="accent1"/>
+          </a:fillRef>
+          <a:effectRef idx="0">
+            <a:schemeClr val="accent1"/>
+          </a:effectRef>
+          <a:fontRef idx="minor">
+            <a:schemeClr val="tx1"/>
+          </a:fontRef>
+        </p:style>
+      </p:cxnSp>
+      <p:cxnSp>
+        <p:nvCxnSpPr>
+          <p:cNvPr id="116" name="꺾인 연결선 115"/>
+          <p:cNvCxnSpPr>
+            <a:stCxn id="13" idx="2"/>
+            <a:endCxn id="25" idx="0"/>
+          </p:cNvCxnSpPr>
+          <p:nvPr/>
+        </p:nvCxnSpPr>
+        <p:spPr>
+          <a:xfrm rot="5400000">
+            <a:off x="2508996" y="2818379"/>
+            <a:ext cx="716200" cy="316572"/>
+          </a:xfrm>
+          <a:prstGeom prst="bentConnector3">
+            <a:avLst/>
+          </a:prstGeom>
+          <a:ln w="12700">
+            <a:solidFill>
+              <a:srgbClr val="756B5F"/>
+            </a:solidFill>
+            <a:tailEnd type="none"/>
+          </a:ln>
+        </p:spPr>
+        <p:style>
+          <a:lnRef idx="1">
+            <a:schemeClr val="accent1"/>
+          </a:lnRef>
+          <a:fillRef idx="0">
+            <a:schemeClr val="accent1"/>
+          </a:fillRef>
+          <a:effectRef idx="0">
+            <a:schemeClr val="accent1"/>
+          </a:effectRef>
+          <a:fontRef idx="minor">
+            <a:schemeClr val="tx1"/>
+          </a:fontRef>
+        </p:style>
+      </p:cxnSp>
+      <p:cxnSp>
+        <p:nvCxnSpPr>
+          <p:cNvPr id="122" name="꺾인 연결선 121"/>
+          <p:cNvCxnSpPr>
+            <a:stCxn id="39" idx="2"/>
+            <a:endCxn id="10" idx="0"/>
+          </p:cNvCxnSpPr>
+          <p:nvPr/>
+        </p:nvCxnSpPr>
+        <p:spPr>
+          <a:xfrm rot="16200000" flipH="1">
+            <a:off x="5251892" y="544467"/>
+            <a:ext cx="314403" cy="1782150"/>
+          </a:xfrm>
+          <a:prstGeom prst="bentConnector3">
+            <a:avLst/>
+          </a:prstGeom>
+          <a:ln w="12700">
+            <a:solidFill>
+              <a:srgbClr val="756B5F"/>
+            </a:solidFill>
+            <a:tailEnd type="none"/>
+          </a:ln>
+        </p:spPr>
+        <p:style>
+          <a:lnRef idx="1">
+            <a:schemeClr val="accent1"/>
+          </a:lnRef>
+          <a:fillRef idx="0">
+            <a:schemeClr val="accent1"/>
+          </a:fillRef>
+          <a:effectRef idx="0">
+            <a:schemeClr val="accent1"/>
+          </a:effectRef>
+          <a:fontRef idx="minor">
+            <a:schemeClr val="tx1"/>
+          </a:fontRef>
+        </p:style>
+      </p:cxnSp>
+      <p:cxnSp>
+        <p:nvCxnSpPr>
+          <p:cNvPr id="124" name="꺾인 연결선 123"/>
+          <p:cNvCxnSpPr>
+            <a:stCxn id="39" idx="2"/>
+            <a:endCxn id="9" idx="0"/>
+          </p:cNvCxnSpPr>
+          <p:nvPr/>
+        </p:nvCxnSpPr>
+        <p:spPr>
+          <a:xfrm rot="5400000">
+            <a:off x="2802086" y="-138122"/>
+            <a:ext cx="299471" cy="3132396"/>
+          </a:xfrm>
+          <a:prstGeom prst="bentConnector3">
+            <a:avLst/>
+          </a:prstGeom>
+          <a:ln w="12700">
+            <a:solidFill>
+              <a:srgbClr val="756B5F"/>
+            </a:solidFill>
+            <a:tailEnd type="none"/>
+          </a:ln>
+        </p:spPr>
+        <p:style>
+          <a:lnRef idx="1">
+            <a:schemeClr val="accent1"/>
+          </a:lnRef>
+          <a:fillRef idx="0">
+            <a:schemeClr val="accent1"/>
+          </a:fillRef>
+          <a:effectRef idx="0">
+            <a:schemeClr val="accent1"/>
+          </a:effectRef>
+          <a:fontRef idx="minor">
+            <a:schemeClr val="tx1"/>
+          </a:fontRef>
+        </p:style>
+      </p:cxnSp>
+      <p:sp>
+        <p:nvSpPr>
+          <p:cNvPr id="86" name="직사각형 85"/>
+          <p:cNvSpPr/>
+          <p:nvPr/>
+        </p:nvSpPr>
+        <p:spPr>
+          <a:xfrm>
+            <a:off x="4141205" y="4245978"/>
+            <a:ext cx="270000" cy="378000"/>
+          </a:xfrm>
+          <a:prstGeom prst="rect">
+            <a:avLst/>
+          </a:prstGeom>
+          <a:solidFill>
+            <a:srgbClr val="CDC1B6"/>
+          </a:solidFill>
+          <a:ln>
+            <a:solidFill>
+              <a:srgbClr val="CDC1B6"/>
+            </a:solidFill>
+          </a:ln>
+        </p:spPr>
+        <p:style>
+          <a:lnRef idx="2">
+            <a:schemeClr val="accent1">
+              <a:shade val="50000"/>
+            </a:schemeClr>
+          </a:lnRef>
+          <a:fillRef idx="1">
+            <a:schemeClr val="accent1"/>
+          </a:fillRef>
+          <a:effectRef idx="0">
+            <a:schemeClr val="accent1"/>
+          </a:effectRef>
+          <a:fontRef idx="minor">
+            <a:schemeClr val="lt1"/>
+          </a:fontRef>
+        </p:style>
+        <p:txBody>
+          <a:bodyPr rot="0" spcFirstLastPara="0" vertOverflow="overflow" horzOverflow="overflow" vert="horz" wrap="square" lIns="0" tIns="0" rIns="0" bIns="0" numCol="1" spcCol="0" rtlCol="0" fromWordArt="0" anchor="ctr" anchorCtr="0" forceAA="0" compatLnSpc="1">
+            <a:prstTxWarp prst="textNoShape">
+              <a:avLst/>
+            </a:prstTxWarp>
+            <a:noAutofit/>
+          </a:bodyPr>
+          <a:lstStyle/>
+          <a:p>
+            <a:pPr algn="ctr"/>
+            <a:r>
+              <a:rPr lang="ko-KR" altLang="en-US" sz="750" b="1">
+                <a:solidFill>
+                  <a:schemeClr val="tx1"/>
+                </a:solidFill>
+              </a:rPr>
+              <a:t>도서수정</a:t>
+            </a:r>
+            <a:endParaRPr lang="ko-KR" altLang="en-US" sz="750" b="1" dirty="0">
+              <a:solidFill>
+                <a:schemeClr val="tx1"/>
+              </a:solidFill>
+            </a:endParaRPr>
+          </a:p>
+        </p:txBody>
+      </p:sp>
+      <p:sp>
+        <p:nvSpPr>
+          <p:cNvPr id="88" name="직사각형 87"/>
+          <p:cNvSpPr/>
+          <p:nvPr/>
+        </p:nvSpPr>
+        <p:spPr>
+          <a:xfrm>
+            <a:off x="4465271" y="4245936"/>
+            <a:ext cx="270000" cy="378000"/>
+          </a:xfrm>
+          <a:prstGeom prst="rect">
+            <a:avLst/>
+          </a:prstGeom>
+          <a:solidFill>
+            <a:srgbClr val="CDC1B6"/>
+          </a:solidFill>
+          <a:ln>
+            <a:solidFill>
+              <a:srgbClr val="CDC1B6"/>
+            </a:solidFill>
+          </a:ln>
+        </p:spPr>
+        <p:style>
+          <a:lnRef idx="2">
+            <a:schemeClr val="accent1">
+              <a:shade val="50000"/>
+            </a:schemeClr>
+          </a:lnRef>
+          <a:fillRef idx="1">
+            <a:schemeClr val="accent1"/>
+          </a:fillRef>
+          <a:effectRef idx="0">
+            <a:schemeClr val="accent1"/>
+          </a:effectRef>
+          <a:fontRef idx="minor">
+            <a:schemeClr val="lt1"/>
+          </a:fontRef>
+        </p:style>
+        <p:txBody>
+          <a:bodyPr rot="0" spcFirstLastPara="0" vertOverflow="overflow" horzOverflow="overflow" vert="horz" wrap="square" lIns="0" tIns="0" rIns="0" bIns="0" numCol="1" spcCol="0" rtlCol="0" fromWordArt="0" anchor="ctr" anchorCtr="0" forceAA="0" compatLnSpc="1">
+            <a:prstTxWarp prst="textNoShape">
+              <a:avLst/>
+            </a:prstTxWarp>
+            <a:noAutofit/>
+          </a:bodyPr>
+          <a:lstStyle/>
+          <a:p>
+            <a:pPr algn="ctr"/>
+            <a:r>
+              <a:rPr lang="ko-KR" altLang="en-US" sz="750" b="1" dirty="0">
+                <a:solidFill>
+                  <a:schemeClr val="tx1"/>
+                </a:solidFill>
+              </a:rPr>
+              <a:t>도서삭제</a:t>
+            </a:r>
+          </a:p>
+        </p:txBody>
+      </p:sp>
+      <p:sp>
+        <p:nvSpPr>
+          <p:cNvPr id="90" name="직사각형 89"/>
+          <p:cNvSpPr/>
+          <p:nvPr/>
+        </p:nvSpPr>
+        <p:spPr>
+          <a:xfrm>
+            <a:off x="4139952" y="3327834"/>
+            <a:ext cx="270000" cy="378000"/>
+          </a:xfrm>
+          <a:prstGeom prst="rect">
+            <a:avLst/>
+          </a:prstGeom>
+          <a:solidFill>
+            <a:srgbClr val="CDC1B6"/>
+          </a:solidFill>
+          <a:ln>
+            <a:solidFill>
+              <a:srgbClr val="CDC1B6"/>
+            </a:solidFill>
+          </a:ln>
+        </p:spPr>
+        <p:style>
+          <a:lnRef idx="2">
+            <a:schemeClr val="accent1">
+              <a:shade val="50000"/>
+            </a:schemeClr>
+          </a:lnRef>
+          <a:fillRef idx="1">
+            <a:schemeClr val="accent1"/>
+          </a:fillRef>
+          <a:effectRef idx="0">
+            <a:schemeClr val="accent1"/>
+          </a:effectRef>
+          <a:fontRef idx="minor">
+            <a:schemeClr val="lt1"/>
+          </a:fontRef>
+        </p:style>
+        <p:txBody>
+          <a:bodyPr rot="0" spcFirstLastPara="0" vertOverflow="overflow" horzOverflow="overflow" vert="horz" wrap="square" lIns="0" tIns="0" rIns="0" bIns="0" numCol="1" spcCol="0" rtlCol="0" fromWordArt="0" anchor="ctr" anchorCtr="0" forceAA="0" compatLnSpc="1">
+            <a:prstTxWarp prst="textNoShape">
+              <a:avLst/>
+            </a:prstTxWarp>
+            <a:noAutofit/>
+          </a:bodyPr>
+          <a:lstStyle/>
+          <a:p>
+            <a:pPr algn="ctr"/>
+            <a:r>
+              <a:rPr lang="ko-KR" altLang="en-US" sz="750" b="1" dirty="0">
+                <a:solidFill>
+                  <a:schemeClr val="tx1"/>
+                </a:solidFill>
+              </a:rPr>
+              <a:t>도서검색</a:t>
+            </a:r>
+          </a:p>
+        </p:txBody>
+      </p:sp>
+      <p:cxnSp>
+        <p:nvCxnSpPr>
+          <p:cNvPr id="59" name="꺾인 연결선 58"/>
+          <p:cNvCxnSpPr>
+            <a:stCxn id="90" idx="2"/>
+            <a:endCxn id="86" idx="0"/>
+          </p:cNvCxnSpPr>
+          <p:nvPr/>
+        </p:nvCxnSpPr>
+        <p:spPr>
+          <a:xfrm rot="16200000" flipH="1">
+            <a:off x="4005506" y="3975280"/>
+            <a:ext cx="540144" cy="1253"/>
+          </a:xfrm>
+          <a:prstGeom prst="bentConnector3">
+            <a:avLst/>
+          </a:prstGeom>
+          <a:ln w="12700">
+            <a:solidFill>
+              <a:srgbClr val="756B5F"/>
+            </a:solidFill>
+            <a:tailEnd type="none"/>
+          </a:ln>
+        </p:spPr>
+        <p:style>
+          <a:lnRef idx="1">
+            <a:schemeClr val="accent1"/>
+          </a:lnRef>
+          <a:fillRef idx="0">
+            <a:schemeClr val="accent1"/>
+          </a:fillRef>
+          <a:effectRef idx="0">
+            <a:schemeClr val="accent1"/>
+          </a:effectRef>
+          <a:fontRef idx="minor">
+            <a:schemeClr val="tx1"/>
+          </a:fontRef>
+        </p:style>
+      </p:cxnSp>
+      <p:cxnSp>
+        <p:nvCxnSpPr>
+          <p:cNvPr id="62" name="꺾인 연결선 61"/>
+          <p:cNvCxnSpPr>
+            <a:stCxn id="20" idx="2"/>
+            <a:endCxn id="88" idx="0"/>
+          </p:cNvCxnSpPr>
+          <p:nvPr/>
+        </p:nvCxnSpPr>
+        <p:spPr>
+          <a:xfrm rot="16200000" flipH="1">
+            <a:off x="4324267" y="3969932"/>
+            <a:ext cx="550755" cy="1253"/>
+          </a:xfrm>
+          <a:prstGeom prst="bentConnector3">
+            <a:avLst/>
+          </a:prstGeom>
+          <a:ln w="12700">
+            <a:solidFill>
+              <a:srgbClr val="756B5F"/>
+            </a:solidFill>
+            <a:tailEnd type="none"/>
+          </a:ln>
+        </p:spPr>
+        <p:style>
+          <a:lnRef idx="1">
+            <a:schemeClr val="accent1"/>
+          </a:lnRef>
+          <a:fillRef idx="0">
+            <a:schemeClr val="accent1"/>
+          </a:fillRef>
+          <a:effectRef idx="0">
+            <a:schemeClr val="accent1"/>
+          </a:effectRef>
+          <a:fontRef idx="minor">
+            <a:schemeClr val="tx1"/>
+          </a:fontRef>
+        </p:style>
+      </p:cxnSp>
+      <p:cxnSp>
+        <p:nvCxnSpPr>
+          <p:cNvPr id="34" name="꺾인 연결선 33"/>
+          <p:cNvCxnSpPr>
+            <a:stCxn id="14" idx="2"/>
+            <a:endCxn id="90" idx="0"/>
+          </p:cNvCxnSpPr>
+          <p:nvPr/>
+        </p:nvCxnSpPr>
+        <p:spPr>
+          <a:xfrm rot="5400000">
+            <a:off x="4150943" y="2717771"/>
+            <a:ext cx="734073" cy="486054"/>
+          </a:xfrm>
+          <a:prstGeom prst="bentConnector3">
+            <a:avLst/>
+          </a:prstGeom>
+          <a:ln w="12700">
+            <a:solidFill>
+              <a:srgbClr val="756B5F"/>
+            </a:solidFill>
+            <a:tailEnd type="none"/>
+          </a:ln>
+        </p:spPr>
+        <p:style>
+          <a:lnRef idx="1">
+            <a:schemeClr val="accent1"/>
+          </a:lnRef>
+          <a:fillRef idx="0">
+            <a:schemeClr val="accent1"/>
+          </a:fillRef>
+          <a:effectRef idx="0">
+            <a:schemeClr val="accent1"/>
+          </a:effectRef>
+          <a:fontRef idx="minor">
+            <a:schemeClr val="tx1"/>
+          </a:fontRef>
+        </p:style>
+      </p:cxnSp>
+      <p:cxnSp>
+        <p:nvCxnSpPr>
+          <p:cNvPr id="7" name="꺾인 연결선 6"/>
+          <p:cNvCxnSpPr>
+            <a:stCxn id="13" idx="2"/>
+            <a:endCxn id="19" idx="0"/>
+          </p:cNvCxnSpPr>
+          <p:nvPr/>
+        </p:nvCxnSpPr>
+        <p:spPr>
+          <a:xfrm rot="5400000">
+            <a:off x="2662689" y="2979931"/>
+            <a:ext cx="724055" cy="1328"/>
+          </a:xfrm>
+          <a:prstGeom prst="bentConnector3">
+            <a:avLst/>
+          </a:prstGeom>
+          <a:ln w="12700">
+            <a:solidFill>
+              <a:srgbClr val="756B5F"/>
+            </a:solidFill>
+            <a:tailEnd type="none"/>
+          </a:ln>
+        </p:spPr>
+        <p:style>
+          <a:lnRef idx="1">
+            <a:schemeClr val="accent1"/>
+          </a:lnRef>
+          <a:fillRef idx="0">
+            <a:schemeClr val="accent1"/>
+          </a:fillRef>
+          <a:effectRef idx="0">
+            <a:schemeClr val="accent1"/>
+          </a:effectRef>
+          <a:fontRef idx="minor">
+            <a:schemeClr val="tx1"/>
+          </a:fontRef>
+        </p:style>
+      </p:cxnSp>
+      <p:cxnSp>
+        <p:nvCxnSpPr>
+          <p:cNvPr id="22" name="직선 연결선 21"/>
+          <p:cNvCxnSpPr>
+            <a:stCxn id="13" idx="0"/>
+          </p:cNvCxnSpPr>
+          <p:nvPr/>
+        </p:nvCxnSpPr>
+        <p:spPr>
+          <a:xfrm flipV="1">
+            <a:off x="3025381" y="2050558"/>
+            <a:ext cx="1" cy="190009"/>
+          </a:xfrm>
+          <a:prstGeom prst="line">
+            <a:avLst/>
+          </a:prstGeom>
+          <a:ln w="12700">
+            <a:solidFill>
+              <a:srgbClr val="756B5F"/>
+            </a:solidFill>
+            <a:tailEnd type="none"/>
+          </a:ln>
+        </p:spPr>
+        <p:style>
+          <a:lnRef idx="1">
+            <a:schemeClr val="accent1"/>
+          </a:lnRef>
+          <a:fillRef idx="0">
+            <a:schemeClr val="accent1"/>
+          </a:fillRef>
+          <a:effectRef idx="0">
+            <a:schemeClr val="accent1"/>
+          </a:effectRef>
+          <a:fontRef idx="minor">
+            <a:schemeClr val="tx1"/>
+          </a:fontRef>
+        </p:style>
+      </p:cxnSp>
+      <p:cxnSp>
+        <p:nvCxnSpPr>
+          <p:cNvPr id="30" name="직선 연결선 29"/>
+          <p:cNvCxnSpPr>
+            <a:stCxn id="16" idx="0"/>
+          </p:cNvCxnSpPr>
+          <p:nvPr/>
+        </p:nvCxnSpPr>
+        <p:spPr>
+          <a:xfrm flipV="1">
+            <a:off x="3950946" y="2050558"/>
+            <a:ext cx="0" cy="163661"/>
+          </a:xfrm>
+          <a:prstGeom prst="line">
+            <a:avLst/>
+          </a:prstGeom>
+          <a:ln w="12700">
+            <a:solidFill>
+              <a:srgbClr val="756B5F"/>
+            </a:solidFill>
+            <a:tailEnd type="none"/>
+          </a:ln>
+        </p:spPr>
+        <p:style>
+          <a:lnRef idx="1">
+            <a:schemeClr val="accent1"/>
+          </a:lnRef>
+          <a:fillRef idx="0">
+            <a:schemeClr val="accent1"/>
+          </a:fillRef>
+          <a:effectRef idx="0">
+            <a:schemeClr val="accent1"/>
+          </a:effectRef>
+          <a:fontRef idx="minor">
+            <a:schemeClr val="tx1"/>
+          </a:fontRef>
+        </p:style>
+      </p:cxnSp>
+      <p:cxnSp>
+        <p:nvCxnSpPr>
+          <p:cNvPr id="35" name="직선 연결선 34"/>
+          <p:cNvCxnSpPr>
+            <a:stCxn id="14" idx="0"/>
+          </p:cNvCxnSpPr>
+          <p:nvPr/>
+        </p:nvCxnSpPr>
+        <p:spPr>
+          <a:xfrm flipV="1">
+            <a:off x="4761006" y="2050557"/>
+            <a:ext cx="0" cy="165204"/>
+          </a:xfrm>
+          <a:prstGeom prst="line">
+            <a:avLst/>
+          </a:prstGeom>
+          <a:ln w="12700">
+            <a:solidFill>
+              <a:srgbClr val="756B5F"/>
+            </a:solidFill>
+            <a:tailEnd type="none"/>
+          </a:ln>
+        </p:spPr>
+        <p:style>
+          <a:lnRef idx="1">
+            <a:schemeClr val="accent1"/>
+          </a:lnRef>
+          <a:fillRef idx="0">
+            <a:schemeClr val="accent1"/>
+          </a:fillRef>
+          <a:effectRef idx="0">
+            <a:schemeClr val="accent1"/>
+          </a:effectRef>
+          <a:fontRef idx="minor">
+            <a:schemeClr val="tx1"/>
+          </a:fontRef>
+        </p:style>
+      </p:cxnSp>
+      <p:cxnSp>
+        <p:nvCxnSpPr>
+          <p:cNvPr id="37" name="직선 연결선 36"/>
+          <p:cNvCxnSpPr>
+            <a:stCxn id="11" idx="0"/>
+          </p:cNvCxnSpPr>
+          <p:nvPr/>
+        </p:nvCxnSpPr>
+        <p:spPr>
+          <a:xfrm flipV="1">
+            <a:off x="6111187" y="2050557"/>
+            <a:ext cx="1" cy="165204"/>
+          </a:xfrm>
+          <a:prstGeom prst="line">
+            <a:avLst/>
+          </a:prstGeom>
+          <a:ln w="12700">
+            <a:solidFill>
+              <a:srgbClr val="756B5F"/>
+            </a:solidFill>
+            <a:tailEnd type="none"/>
+          </a:ln>
+        </p:spPr>
+        <p:style>
+          <a:lnRef idx="1">
+            <a:schemeClr val="accent1"/>
+          </a:lnRef>
+          <a:fillRef idx="0">
+            <a:schemeClr val="accent1"/>
+          </a:fillRef>
+          <a:effectRef idx="0">
+            <a:schemeClr val="accent1"/>
+          </a:effectRef>
+          <a:fontRef idx="minor">
+            <a:schemeClr val="tx1"/>
+          </a:fontRef>
+        </p:style>
+      </p:cxnSp>
+    </p:spTree>
+    <p:extLst>
+      <p:ext uri="{BB962C8B-B14F-4D97-AF65-F5344CB8AC3E}">
+        <p14:creationId xmlns:p14="http://schemas.microsoft.com/office/powerpoint/2010/main" val="3323650795"/>
       </p:ext>
     </p:extLst>
   </p:cSld>
